--- a/AI Agents.pptx
+++ b/AI Agents.pptx
@@ -5,20 +5,21 @@
     <p:sldMasterId id="2147483746" r:id="rId4"/>
   </p:sldMasterIdLst>
   <p:notesMasterIdLst>
-    <p:notesMasterId r:id="rId16"/>
+    <p:notesMasterId r:id="rId17"/>
   </p:notesMasterIdLst>
   <p:sldIdLst>
     <p:sldId id="257" r:id="rId5"/>
     <p:sldId id="259" r:id="rId6"/>
-    <p:sldId id="263" r:id="rId7"/>
-    <p:sldId id="264" r:id="rId8"/>
-    <p:sldId id="265" r:id="rId9"/>
-    <p:sldId id="267" r:id="rId10"/>
-    <p:sldId id="266" r:id="rId11"/>
-    <p:sldId id="261" r:id="rId12"/>
-    <p:sldId id="262" r:id="rId13"/>
-    <p:sldId id="268" r:id="rId14"/>
-    <p:sldId id="269" r:id="rId15"/>
+    <p:sldId id="270" r:id="rId7"/>
+    <p:sldId id="263" r:id="rId8"/>
+    <p:sldId id="264" r:id="rId9"/>
+    <p:sldId id="265" r:id="rId10"/>
+    <p:sldId id="267" r:id="rId11"/>
+    <p:sldId id="266" r:id="rId12"/>
+    <p:sldId id="261" r:id="rId13"/>
+    <p:sldId id="271" r:id="rId14"/>
+    <p:sldId id="268" r:id="rId15"/>
+    <p:sldId id="269" r:id="rId16"/>
   </p:sldIdLst>
   <p:sldSz cx="12192000" cy="6858000"/>
   <p:notesSz cx="6858000" cy="9144000"/>
@@ -521,8 +522,151 @@
           <a:p>
             <a:r>
               <a:rPr lang="en-CA" dirty="0"/>
-              <a:t>https://www.bcg.com/capabilities/artificial-intelligence/ai-agents</a:t>
-            </a:r>
+              <a:t>https://docs.crewai.com/introduction</a:t>
+            </a:r>
+          </a:p>
+          <a:p>
+            <a:pPr algn="l"/>
+            <a:br>
+              <a:rPr lang="en-US" b="1" i="0" dirty="0">
+                <a:effectLst/>
+                <a:latin typeface="__Inter_e5ab12"/>
+              </a:rPr>
+            </a:br>
+            <a:r>
+              <a:rPr lang="en-US" b="1" i="0" dirty="0">
+                <a:effectLst/>
+                <a:latin typeface="__Inter_e5ab12"/>
+              </a:rPr>
+              <a:t>How It All Works Together</a:t>
+            </a:r>
+          </a:p>
+          <a:p>
+            <a:pPr algn="l">
+              <a:buFont typeface="+mj-lt"/>
+              <a:buAutoNum type="arabicPeriod"/>
+            </a:pPr>
+            <a:r>
+              <a:rPr lang="en-US" b="0" i="0" dirty="0">
+                <a:solidFill>
+                  <a:srgbClr val="A5A1A1"/>
+                </a:solidFill>
+                <a:effectLst/>
+                <a:latin typeface="__Inter_e5ab12"/>
+              </a:rPr>
+              <a:t>The </a:t>
+            </a:r>
+            <a:r>
+              <a:rPr lang="en-US" b="1" i="0" dirty="0">
+                <a:solidFill>
+                  <a:srgbClr val="A5A1A1"/>
+                </a:solidFill>
+                <a:effectLst/>
+                <a:latin typeface="__Inter_e5ab12"/>
+              </a:rPr>
+              <a:t>Crew</a:t>
+            </a:r>
+            <a:r>
+              <a:rPr lang="en-US" b="0" i="0" dirty="0">
+                <a:solidFill>
+                  <a:srgbClr val="A5A1A1"/>
+                </a:solidFill>
+                <a:effectLst/>
+                <a:latin typeface="__Inter_e5ab12"/>
+              </a:rPr>
+              <a:t> organizes the overall operation</a:t>
+            </a:r>
+          </a:p>
+          <a:p>
+            <a:pPr algn="l">
+              <a:buFont typeface="+mj-lt"/>
+              <a:buAutoNum type="arabicPeriod"/>
+            </a:pPr>
+            <a:r>
+              <a:rPr lang="en-US" b="1" i="0" dirty="0">
+                <a:solidFill>
+                  <a:srgbClr val="A5A1A1"/>
+                </a:solidFill>
+                <a:effectLst/>
+                <a:latin typeface="__Inter_e5ab12"/>
+              </a:rPr>
+              <a:t>AI Agents</a:t>
+            </a:r>
+            <a:r>
+              <a:rPr lang="en-US" b="0" i="0" dirty="0">
+                <a:solidFill>
+                  <a:srgbClr val="A5A1A1"/>
+                </a:solidFill>
+                <a:effectLst/>
+                <a:latin typeface="__Inter_e5ab12"/>
+              </a:rPr>
+              <a:t> work on their specialized tasks</a:t>
+            </a:r>
+          </a:p>
+          <a:p>
+            <a:pPr algn="l">
+              <a:buFont typeface="+mj-lt"/>
+              <a:buAutoNum type="arabicPeriod"/>
+            </a:pPr>
+            <a:r>
+              <a:rPr lang="en-US" b="0" i="0" dirty="0">
+                <a:solidFill>
+                  <a:srgbClr val="A5A1A1"/>
+                </a:solidFill>
+                <a:effectLst/>
+                <a:latin typeface="__Inter_e5ab12"/>
+              </a:rPr>
+              <a:t>The </a:t>
+            </a:r>
+            <a:r>
+              <a:rPr lang="en-US" b="1" i="0" dirty="0">
+                <a:solidFill>
+                  <a:srgbClr val="A5A1A1"/>
+                </a:solidFill>
+                <a:effectLst/>
+                <a:latin typeface="__Inter_e5ab12"/>
+              </a:rPr>
+              <a:t>Process</a:t>
+            </a:r>
+            <a:r>
+              <a:rPr lang="en-US" b="0" i="0" dirty="0">
+                <a:solidFill>
+                  <a:srgbClr val="A5A1A1"/>
+                </a:solidFill>
+                <a:effectLst/>
+                <a:latin typeface="__Inter_e5ab12"/>
+              </a:rPr>
+              <a:t> ensures smooth collaboration</a:t>
+            </a:r>
+          </a:p>
+          <a:p>
+            <a:pPr algn="l">
+              <a:buFont typeface="+mj-lt"/>
+              <a:buAutoNum type="arabicPeriod"/>
+            </a:pPr>
+            <a:r>
+              <a:rPr lang="en-US" b="1" i="0" dirty="0">
+                <a:solidFill>
+                  <a:srgbClr val="A5A1A1"/>
+                </a:solidFill>
+                <a:effectLst/>
+                <a:latin typeface="__Inter_e5ab12"/>
+              </a:rPr>
+              <a:t>Tasks</a:t>
+            </a:r>
+            <a:r>
+              <a:rPr lang="en-US" b="0" i="0" dirty="0">
+                <a:solidFill>
+                  <a:srgbClr val="A5A1A1"/>
+                </a:solidFill>
+                <a:effectLst/>
+                <a:latin typeface="__Inter_e5ab12"/>
+              </a:rPr>
+              <a:t> get completed to achieve the goal</a:t>
+            </a:r>
+          </a:p>
+          <a:p>
+            <a:endParaRPr lang="en-CA" dirty="0"/>
           </a:p>
         </p:txBody>
       </p:sp>
@@ -543,7 +687,7 @@
           <a:p>
             <a:fld id="{21DAD19F-AAC1-40D3-AC76-CDF842371BF8}" type="slidenum">
               <a:rPr lang="en-CA" smtClean="0"/>
-              <a:t>5</a:t>
+              <a:t>6</a:t>
             </a:fld>
             <a:endParaRPr lang="en-CA"/>
           </a:p>
@@ -630,7 +774,7 @@
           <a:p>
             <a:fld id="{21DAD19F-AAC1-40D3-AC76-CDF842371BF8}" type="slidenum">
               <a:rPr lang="en-CA" smtClean="0"/>
-              <a:t>8</a:t>
+              <a:t>9</a:t>
             </a:fld>
             <a:endParaRPr lang="en-CA"/>
           </a:p>
@@ -640,117 +784,6 @@
     <p:extLst>
       <p:ext uri="{BB962C8B-B14F-4D97-AF65-F5344CB8AC3E}">
         <p14:creationId xmlns:p14="http://schemas.microsoft.com/office/powerpoint/2010/main" val="775221623"/>
-      </p:ext>
-    </p:extLst>
-  </p:cSld>
-  <p:clrMapOvr>
-    <a:masterClrMapping/>
-  </p:clrMapOvr>
-</p:notes>
-</file>
-
-<file path=ppt/notesSlides/notesSlide3.xml><?xml version="1.0" encoding="utf-8"?>
-<p:notes xmlns:a="http://schemas.openxmlformats.org/drawingml/2006/main" xmlns:r="http://schemas.openxmlformats.org/officeDocument/2006/relationships" xmlns:p="http://schemas.openxmlformats.org/presentationml/2006/main">
-  <p:cSld>
-    <p:spTree>
-      <p:nvGrpSpPr>
-        <p:cNvPr id="1" name="">
-          <a:extLst>
-            <a:ext uri="{FF2B5EF4-FFF2-40B4-BE49-F238E27FC236}">
-              <a16:creationId xmlns:a16="http://schemas.microsoft.com/office/drawing/2014/main" id="{AF3D599C-99F7-898F-CDCA-06284EF82751}"/>
-            </a:ext>
-          </a:extLst>
-        </p:cNvPr>
-        <p:cNvGrpSpPr/>
-        <p:nvPr/>
-      </p:nvGrpSpPr>
-      <p:grpSpPr>
-        <a:xfrm>
-          <a:off x="0" y="0"/>
-          <a:ext cx="0" cy="0"/>
-          <a:chOff x="0" y="0"/>
-          <a:chExt cx="0" cy="0"/>
-        </a:xfrm>
-      </p:grpSpPr>
-      <p:sp>
-        <p:nvSpPr>
-          <p:cNvPr id="2" name="Slide Image Placeholder 1">
-            <a:extLst>
-              <a:ext uri="{FF2B5EF4-FFF2-40B4-BE49-F238E27FC236}">
-                <a16:creationId xmlns:a16="http://schemas.microsoft.com/office/drawing/2014/main" id="{2E12129A-67DB-3DFF-4F09-7083D682C650}"/>
-              </a:ext>
-            </a:extLst>
-          </p:cNvPr>
-          <p:cNvSpPr>
-            <a:spLocks noGrp="1" noRot="1" noChangeAspect="1"/>
-          </p:cNvSpPr>
-          <p:nvPr>
-            <p:ph type="sldImg"/>
-          </p:nvPr>
-        </p:nvSpPr>
-        <p:spPr/>
-      </p:sp>
-      <p:sp>
-        <p:nvSpPr>
-          <p:cNvPr id="3" name="Notes Placeholder 2">
-            <a:extLst>
-              <a:ext uri="{FF2B5EF4-FFF2-40B4-BE49-F238E27FC236}">
-                <a16:creationId xmlns:a16="http://schemas.microsoft.com/office/drawing/2014/main" id="{9BB46447-A7D9-8A4C-BBD2-7D853C5EEBE6}"/>
-              </a:ext>
-            </a:extLst>
-          </p:cNvPr>
-          <p:cNvSpPr>
-            <a:spLocks noGrp="1"/>
-          </p:cNvSpPr>
-          <p:nvPr>
-            <p:ph type="body" idx="1"/>
-          </p:nvPr>
-        </p:nvSpPr>
-        <p:spPr/>
-        <p:txBody>
-          <a:bodyPr/>
-          <a:lstStyle/>
-          <a:p>
-            <a:r>
-              <a:rPr lang="en-CA" dirty="0"/>
-              <a:t>https://community.openai.com/t/cheat-sheet-mastering-temperature-and-top-p-in-chatgpt-api/172683</a:t>
-            </a:r>
-          </a:p>
-        </p:txBody>
-      </p:sp>
-      <p:sp>
-        <p:nvSpPr>
-          <p:cNvPr id="4" name="Slide Number Placeholder 3">
-            <a:extLst>
-              <a:ext uri="{FF2B5EF4-FFF2-40B4-BE49-F238E27FC236}">
-                <a16:creationId xmlns:a16="http://schemas.microsoft.com/office/drawing/2014/main" id="{83C997A6-6454-BEFB-09A3-5F520D378C87}"/>
-              </a:ext>
-            </a:extLst>
-          </p:cNvPr>
-          <p:cNvSpPr>
-            <a:spLocks noGrp="1"/>
-          </p:cNvSpPr>
-          <p:nvPr>
-            <p:ph type="sldNum" sz="quarter" idx="5"/>
-          </p:nvPr>
-        </p:nvSpPr>
-        <p:spPr/>
-        <p:txBody>
-          <a:bodyPr/>
-          <a:lstStyle/>
-          <a:p>
-            <a:fld id="{21DAD19F-AAC1-40D3-AC76-CDF842371BF8}" type="slidenum">
-              <a:rPr lang="en-CA" smtClean="0"/>
-              <a:t>9</a:t>
-            </a:fld>
-            <a:endParaRPr lang="en-CA"/>
-          </a:p>
-        </p:txBody>
-      </p:sp>
-    </p:spTree>
-    <p:extLst>
-      <p:ext uri="{BB962C8B-B14F-4D97-AF65-F5344CB8AC3E}">
-        <p14:creationId xmlns:p14="http://schemas.microsoft.com/office/powerpoint/2010/main" val="1558455364"/>
       </p:ext>
     </p:extLst>
   </p:cSld>
@@ -4682,7 +4715,7 @@
           <p:cNvPr id="2" name="Title 1">
             <a:extLst>
               <a:ext uri="{FF2B5EF4-FFF2-40B4-BE49-F238E27FC236}">
-                <a16:creationId xmlns:a16="http://schemas.microsoft.com/office/drawing/2014/main" id="{67D32E74-D4D4-8F5A-B9F6-47912F14F066}"/>
+                <a16:creationId xmlns:a16="http://schemas.microsoft.com/office/drawing/2014/main" id="{B5C0D2BD-763F-51FB-691F-006ED6C15C32}"/>
               </a:ext>
             </a:extLst>
           </p:cNvPr>
@@ -4700,7 +4733,7 @@
           <a:p>
             <a:r>
               <a:rPr lang="en-US" dirty="0"/>
-              <a:t>Future Development Ideas</a:t>
+              <a:t>Learning - Prompting</a:t>
             </a:r>
             <a:endParaRPr lang="en-CA" dirty="0"/>
           </a:p>
@@ -4711,7 +4744,7 @@
           <p:cNvPr id="3" name="Content Placeholder 2">
             <a:extLst>
               <a:ext uri="{FF2B5EF4-FFF2-40B4-BE49-F238E27FC236}">
-                <a16:creationId xmlns:a16="http://schemas.microsoft.com/office/drawing/2014/main" id="{2F212547-77D8-9A23-C2A6-A0038FD366DA}"/>
+                <a16:creationId xmlns:a16="http://schemas.microsoft.com/office/drawing/2014/main" id="{BDAA5782-74BF-56C3-51B2-793F61EA86B5}"/>
               </a:ext>
             </a:extLst>
           </p:cNvPr>
@@ -4727,14 +4760,56 @@
           <a:bodyPr/>
           <a:lstStyle/>
           <a:p>
-            <a:endParaRPr lang="en-CA"/>
+            <a:r>
+              <a:rPr lang="en-US" dirty="0"/>
+              <a:t>- Ensuring that the agent role, goal and backstory are align and specific to what the outcome is wanted from the agent</a:t>
+            </a:r>
+          </a:p>
+          <a:p>
+            <a:pPr lvl="1"/>
+            <a:r>
+              <a:rPr lang="en-US" dirty="0"/>
+              <a:t>Would amount this to job description seen on </a:t>
+            </a:r>
+            <a:r>
+              <a:rPr lang="en-US" dirty="0" err="1"/>
+              <a:t>linkedin</a:t>
+            </a:r>
+            <a:r>
+              <a:rPr lang="en-US" dirty="0"/>
+              <a:t> or indeed on what you would expect for a certain role</a:t>
+            </a:r>
+          </a:p>
+          <a:p>
+            <a:pPr lvl="1"/>
+            <a:endParaRPr lang="en-US" dirty="0"/>
+          </a:p>
+          <a:p>
+            <a:pPr lvl="1">
+              <a:buFontTx/>
+              <a:buChar char="-"/>
+            </a:pPr>
+            <a:r>
+              <a:rPr lang="en-US" dirty="0"/>
+              <a:t>The task descriptions need to be very specific</a:t>
+            </a:r>
+          </a:p>
+          <a:p>
+            <a:pPr lvl="1">
+              <a:buFontTx/>
+              <a:buChar char="-"/>
+            </a:pPr>
+            <a:r>
+              <a:rPr lang="en-US" dirty="0"/>
+              <a:t>There is difficulty in maintaining consistency in agent builds, this can be mitigated to a point using proper prompting templates.</a:t>
+            </a:r>
           </a:p>
         </p:txBody>
       </p:sp>
     </p:spTree>
     <p:extLst>
       <p:ext uri="{BB962C8B-B14F-4D97-AF65-F5344CB8AC3E}">
-        <p14:creationId xmlns:p14="http://schemas.microsoft.com/office/powerpoint/2010/main" val="367267972"/>
+        <p14:creationId xmlns:p14="http://schemas.microsoft.com/office/powerpoint/2010/main" val="1162168075"/>
       </p:ext>
     </p:extLst>
   </p:cSld>
@@ -4766,7 +4841,7 @@
           <p:cNvPr id="2" name="Title 1">
             <a:extLst>
               <a:ext uri="{FF2B5EF4-FFF2-40B4-BE49-F238E27FC236}">
-                <a16:creationId xmlns:a16="http://schemas.microsoft.com/office/drawing/2014/main" id="{B255F033-9BBF-69D9-0AB3-30FCA620C9A3}"/>
+                <a16:creationId xmlns:a16="http://schemas.microsoft.com/office/drawing/2014/main" id="{67D32E74-D4D4-8F5A-B9F6-47912F14F066}"/>
               </a:ext>
             </a:extLst>
           </p:cNvPr>
@@ -4784,7 +4859,7 @@
           <a:p>
             <a:r>
               <a:rPr lang="en-US" dirty="0"/>
-              <a:t>References</a:t>
+              <a:t>Future Development Ideas</a:t>
             </a:r>
             <a:endParaRPr lang="en-CA" dirty="0"/>
           </a:p>
@@ -4795,7 +4870,7 @@
           <p:cNvPr id="3" name="Content Placeholder 2">
             <a:extLst>
               <a:ext uri="{FF2B5EF4-FFF2-40B4-BE49-F238E27FC236}">
-                <a16:creationId xmlns:a16="http://schemas.microsoft.com/office/drawing/2014/main" id="{2026CA21-894F-3EE4-B200-3ABA892E8D03}"/>
+                <a16:creationId xmlns:a16="http://schemas.microsoft.com/office/drawing/2014/main" id="{2F212547-77D8-9A23-C2A6-A0038FD366DA}"/>
               </a:ext>
             </a:extLst>
           </p:cNvPr>
@@ -4811,7 +4886,204 @@
           <a:bodyPr/>
           <a:lstStyle/>
           <a:p>
-            <a:endParaRPr lang="en-CA"/>
+            <a:r>
+              <a:rPr lang="en-US" dirty="0"/>
+              <a:t>Growing this crew to also look at other types of files such as excel, text, </a:t>
+            </a:r>
+            <a:r>
+              <a:rPr lang="en-US" dirty="0" err="1"/>
+              <a:t>powerpoints</a:t>
+            </a:r>
+            <a:endParaRPr lang="en-US" dirty="0"/>
+          </a:p>
+          <a:p>
+            <a:r>
+              <a:rPr lang="en-US" dirty="0"/>
+              <a:t>SQL Agent - developing </a:t>
+            </a:r>
+            <a:r>
+              <a:rPr lang="en-US" dirty="0" err="1"/>
+              <a:t>sql</a:t>
+            </a:r>
+            <a:r>
+              <a:rPr lang="en-US" dirty="0"/>
+              <a:t> queries or </a:t>
+            </a:r>
+            <a:r>
+              <a:rPr lang="en-US" dirty="0" err="1"/>
+              <a:t>sql</a:t>
+            </a:r>
+            <a:r>
+              <a:rPr lang="en-US" dirty="0"/>
+              <a:t> translations</a:t>
+            </a:r>
+          </a:p>
+          <a:p>
+            <a:r>
+              <a:rPr lang="en-US" dirty="0"/>
+              <a:t>RAG search on confluence/</a:t>
+            </a:r>
+            <a:r>
+              <a:rPr lang="en-US" dirty="0" err="1"/>
+              <a:t>jira</a:t>
+            </a:r>
+            <a:endParaRPr lang="en-US" dirty="0"/>
+          </a:p>
+          <a:p>
+            <a:r>
+              <a:rPr lang="en-US" dirty="0"/>
+              <a:t>Data discovery when linked to databases or </a:t>
+            </a:r>
+            <a:r>
+              <a:rPr lang="en-US" dirty="0" err="1"/>
+              <a:t>hadoop</a:t>
+            </a:r>
+            <a:endParaRPr lang="en-US" dirty="0"/>
+          </a:p>
+          <a:p>
+            <a:r>
+              <a:rPr lang="en-US" dirty="0"/>
+              <a:t>SQL </a:t>
+            </a:r>
+            <a:r>
+              <a:rPr lang="en-US" dirty="0" err="1"/>
+              <a:t>retrival</a:t>
+            </a:r>
+            <a:r>
+              <a:rPr lang="en-US" dirty="0"/>
+              <a:t>/visualization on data lineage</a:t>
+            </a:r>
+          </a:p>
+          <a:p>
+            <a:r>
+              <a:rPr lang="en-US" dirty="0"/>
+              <a:t>workflow searches with chatbot when linked to </a:t>
+            </a:r>
+            <a:r>
+              <a:rPr lang="en-US" dirty="0" err="1"/>
+              <a:t>github</a:t>
+            </a:r>
+            <a:r>
+              <a:rPr lang="en-US" dirty="0"/>
+              <a:t> to link templates or similar technologies to prevent building workflows from scratch</a:t>
+            </a:r>
+          </a:p>
+          <a:p>
+            <a:endParaRPr lang="en-CA" dirty="0"/>
+          </a:p>
+        </p:txBody>
+      </p:sp>
+    </p:spTree>
+    <p:extLst>
+      <p:ext uri="{BB962C8B-B14F-4D97-AF65-F5344CB8AC3E}">
+        <p14:creationId xmlns:p14="http://schemas.microsoft.com/office/powerpoint/2010/main" val="367267972"/>
+      </p:ext>
+    </p:extLst>
+  </p:cSld>
+  <p:clrMapOvr>
+    <a:masterClrMapping/>
+  </p:clrMapOvr>
+</p:sld>
+</file>
+
+<file path=ppt/slides/slide12.xml><?xml version="1.0" encoding="utf-8"?>
+<p:sld xmlns:a="http://schemas.openxmlformats.org/drawingml/2006/main" xmlns:r="http://schemas.openxmlformats.org/officeDocument/2006/relationships" xmlns:p="http://schemas.openxmlformats.org/presentationml/2006/main">
+  <p:cSld>
+    <p:spTree>
+      <p:nvGrpSpPr>
+        <p:cNvPr id="1" name=""/>
+        <p:cNvGrpSpPr/>
+        <p:nvPr/>
+      </p:nvGrpSpPr>
+      <p:grpSpPr>
+        <a:xfrm>
+          <a:off x="0" y="0"/>
+          <a:ext cx="0" cy="0"/>
+          <a:chOff x="0" y="0"/>
+          <a:chExt cx="0" cy="0"/>
+        </a:xfrm>
+      </p:grpSpPr>
+      <p:sp>
+        <p:nvSpPr>
+          <p:cNvPr id="2" name="Title 1">
+            <a:extLst>
+              <a:ext uri="{FF2B5EF4-FFF2-40B4-BE49-F238E27FC236}">
+                <a16:creationId xmlns:a16="http://schemas.microsoft.com/office/drawing/2014/main" id="{B255F033-9BBF-69D9-0AB3-30FCA620C9A3}"/>
+              </a:ext>
+            </a:extLst>
+          </p:cNvPr>
+          <p:cNvSpPr>
+            <a:spLocks noGrp="1"/>
+          </p:cNvSpPr>
+          <p:nvPr>
+            <p:ph type="title"/>
+          </p:nvPr>
+        </p:nvSpPr>
+        <p:spPr/>
+        <p:txBody>
+          <a:bodyPr/>
+          <a:lstStyle/>
+          <a:p>
+            <a:r>
+              <a:rPr lang="en-US" dirty="0"/>
+              <a:t>References</a:t>
+            </a:r>
+            <a:endParaRPr lang="en-CA" dirty="0"/>
+          </a:p>
+        </p:txBody>
+      </p:sp>
+      <p:sp>
+        <p:nvSpPr>
+          <p:cNvPr id="3" name="Content Placeholder 2">
+            <a:extLst>
+              <a:ext uri="{FF2B5EF4-FFF2-40B4-BE49-F238E27FC236}">
+                <a16:creationId xmlns:a16="http://schemas.microsoft.com/office/drawing/2014/main" id="{2026CA21-894F-3EE4-B200-3ABA892E8D03}"/>
+              </a:ext>
+            </a:extLst>
+          </p:cNvPr>
+          <p:cNvSpPr>
+            <a:spLocks noGrp="1"/>
+          </p:cNvSpPr>
+          <p:nvPr>
+            <p:ph idx="1"/>
+          </p:nvPr>
+        </p:nvSpPr>
+        <p:spPr/>
+        <p:txBody>
+          <a:bodyPr/>
+          <a:lstStyle/>
+          <a:p>
+            <a:r>
+              <a:rPr lang="en-CA" dirty="0">
+                <a:hlinkClick r:id="rId2"/>
+              </a:rPr>
+              <a:t>https://www.bcg.com/capabilities/artificial-intelligence/ai-agents</a:t>
+            </a:r>
+            <a:endParaRPr lang="en-CA" dirty="0"/>
+          </a:p>
+          <a:p>
+            <a:r>
+              <a:rPr lang="en-CA" dirty="0">
+                <a:hlinkClick r:id="rId3"/>
+              </a:rPr>
+              <a:t>https://docs.crewai.com/concepts/agents</a:t>
+            </a:r>
+            <a:endParaRPr lang="en-CA" dirty="0"/>
+          </a:p>
+          <a:p>
+            <a:r>
+              <a:rPr lang="en-CA" dirty="0">
+                <a:hlinkClick r:id="rId4"/>
+              </a:rPr>
+              <a:t>https://community.openai.com/t/cheat-sheet-mastering-temperature-and-top-p-in-chatgpt-api/172683</a:t>
+            </a:r>
+            <a:endParaRPr lang="en-CA" dirty="0"/>
+          </a:p>
+          <a:p>
+            <a:pPr marL="0" indent="0">
+              <a:buNone/>
+            </a:pPr>
+            <a:endParaRPr lang="en-CA" dirty="0"/>
           </a:p>
         </p:txBody>
       </p:sp>
@@ -4890,72 +5162,386 @@
             <p:ph idx="1"/>
           </p:nvPr>
         </p:nvSpPr>
-        <p:spPr/>
+        <p:spPr>
+          <a:xfrm>
+            <a:off x="1097280" y="2108201"/>
+            <a:ext cx="4998720" cy="3760891"/>
+          </a:xfrm>
+        </p:spPr>
         <p:txBody>
           <a:bodyPr>
-            <a:normAutofit fontScale="85000" lnSpcReduction="20000"/>
+            <a:normAutofit/>
           </a:bodyPr>
           <a:lstStyle/>
           <a:p>
+            <a:pPr marL="457200" indent="-457200">
+              <a:buFont typeface="+mj-lt"/>
+              <a:buAutoNum type="arabicPeriod"/>
+            </a:pPr>
             <a:r>
               <a:rPr lang="en-US" dirty="0"/>
-              <a:t>1. AI Agents Definition</a:t>
-            </a:r>
-          </a:p>
-          <a:p>
+              <a:t>Definition</a:t>
+            </a:r>
+          </a:p>
+          <a:p>
+            <a:pPr marL="457200" indent="-457200">
+              <a:buFont typeface="+mj-lt"/>
+              <a:buAutoNum type="arabicPeriod"/>
+            </a:pPr>
             <a:r>
               <a:rPr lang="en-US" dirty="0"/>
-              <a:t>2. Working AI Agents Terminologies</a:t>
-            </a:r>
-          </a:p>
-          <a:p>
+              <a:t>Components</a:t>
+            </a:r>
+          </a:p>
+          <a:p>
+            <a:pPr marL="457200" indent="-457200">
+              <a:buFont typeface="+mj-lt"/>
+              <a:buAutoNum type="arabicPeriod"/>
+            </a:pPr>
             <a:r>
               <a:rPr lang="en-US" dirty="0"/>
-              <a:t>3. AI Agents Multi-agent platforms</a:t>
-            </a:r>
-          </a:p>
-          <a:p>
+              <a:t>Working Terminologies</a:t>
+            </a:r>
+          </a:p>
+          <a:p>
+            <a:pPr marL="457200" indent="-457200">
+              <a:buFont typeface="+mj-lt"/>
+              <a:buAutoNum type="arabicPeriod"/>
+            </a:pPr>
             <a:r>
               <a:rPr lang="en-US" dirty="0"/>
-              <a:t>4. Use-case explanation</a:t>
-            </a:r>
-          </a:p>
-          <a:p>
+              <a:t>Multi-agent platforms</a:t>
+            </a:r>
+          </a:p>
+          <a:p>
+            <a:pPr marL="457200" indent="-457200">
+              <a:buFont typeface="+mj-lt"/>
+              <a:buAutoNum type="arabicPeriod"/>
+            </a:pPr>
             <a:r>
               <a:rPr lang="en-US" dirty="0"/>
-              <a:t>5. Demo</a:t>
-            </a:r>
-          </a:p>
-          <a:p>
+              <a:t>Use-case explanation</a:t>
+            </a:r>
+          </a:p>
+        </p:txBody>
+      </p:sp>
+      <p:sp>
+        <p:nvSpPr>
+          <p:cNvPr id="4" name="Content Placeholder 2">
+            <a:extLst>
+              <a:ext uri="{FF2B5EF4-FFF2-40B4-BE49-F238E27FC236}">
+                <a16:creationId xmlns:a16="http://schemas.microsoft.com/office/drawing/2014/main" id="{9DA20B4E-FE1C-5B49-34D7-10A2CD7991C5}"/>
+              </a:ext>
+            </a:extLst>
+          </p:cNvPr>
+          <p:cNvSpPr txBox="1">
+            <a:spLocks/>
+          </p:cNvSpPr>
+          <p:nvPr/>
+        </p:nvSpPr>
+        <p:spPr>
+          <a:xfrm>
+            <a:off x="6126480" y="2108200"/>
+            <a:ext cx="4998720" cy="3760891"/>
+          </a:xfrm>
+          <a:prstGeom prst="rect">
+            <a:avLst/>
+          </a:prstGeom>
+        </p:spPr>
+        <p:txBody>
+          <a:bodyPr vert="horz" lIns="0" tIns="45720" rIns="0" bIns="45720" rtlCol="0">
+            <a:normAutofit/>
+          </a:bodyPr>
+          <a:lstStyle>
+            <a:lvl1pPr marL="91440" indent="-91440" algn="l" defTabSz="914400" rtl="0" eaLnBrk="1" latinLnBrk="0" hangingPunct="1">
+              <a:lnSpc>
+                <a:spcPct val="110000"/>
+              </a:lnSpc>
+              <a:spcBef>
+                <a:spcPts val="1200"/>
+              </a:spcBef>
+              <a:spcAft>
+                <a:spcPts val="200"/>
+              </a:spcAft>
+              <a:buClr>
+                <a:schemeClr val="accent1"/>
+              </a:buClr>
+              <a:buSzPct val="100000"/>
+              <a:buFont typeface="Calibri" panose="020F0502020204030204" pitchFamily="34" charset="0"/>
+              <a:buChar char=" "/>
+              <a:defRPr sz="1900" kern="1200">
+                <a:solidFill>
+                  <a:schemeClr val="tx1">
+                    <a:lumMod val="75000"/>
+                    <a:lumOff val="25000"/>
+                  </a:schemeClr>
+                </a:solidFill>
+                <a:latin typeface="+mn-lt"/>
+                <a:ea typeface="+mn-ea"/>
+                <a:cs typeface="+mn-cs"/>
+              </a:defRPr>
+            </a:lvl1pPr>
+            <a:lvl2pPr marL="384048" indent="-182880" algn="l" defTabSz="914400" rtl="0" eaLnBrk="1" latinLnBrk="0" hangingPunct="1">
+              <a:lnSpc>
+                <a:spcPct val="100000"/>
+              </a:lnSpc>
+              <a:spcBef>
+                <a:spcPts val="200"/>
+              </a:spcBef>
+              <a:spcAft>
+                <a:spcPts val="400"/>
+              </a:spcAft>
+              <a:buClrTx/>
+              <a:buFont typeface="Calibri" pitchFamily="34" charset="0"/>
+              <a:buChar char="◦"/>
+              <a:defRPr sz="1700" kern="1200">
+                <a:solidFill>
+                  <a:schemeClr val="tx1">
+                    <a:lumMod val="75000"/>
+                    <a:lumOff val="25000"/>
+                  </a:schemeClr>
+                </a:solidFill>
+                <a:latin typeface="+mn-lt"/>
+                <a:ea typeface="+mn-ea"/>
+                <a:cs typeface="+mn-cs"/>
+              </a:defRPr>
+            </a:lvl2pPr>
+            <a:lvl3pPr marL="566928" indent="-182880" algn="l" defTabSz="914400" rtl="0" eaLnBrk="1" latinLnBrk="0" hangingPunct="1">
+              <a:lnSpc>
+                <a:spcPct val="100000"/>
+              </a:lnSpc>
+              <a:spcBef>
+                <a:spcPts val="200"/>
+              </a:spcBef>
+              <a:spcAft>
+                <a:spcPts val="400"/>
+              </a:spcAft>
+              <a:buClrTx/>
+              <a:buFont typeface="Calibri" pitchFamily="34" charset="0"/>
+              <a:buChar char="◦"/>
+              <a:defRPr sz="1300" kern="1200">
+                <a:solidFill>
+                  <a:schemeClr val="tx1">
+                    <a:lumMod val="75000"/>
+                    <a:lumOff val="25000"/>
+                  </a:schemeClr>
+                </a:solidFill>
+                <a:latin typeface="+mn-lt"/>
+                <a:ea typeface="+mn-ea"/>
+                <a:cs typeface="+mn-cs"/>
+              </a:defRPr>
+            </a:lvl3pPr>
+            <a:lvl4pPr marL="749808" indent="-182880" algn="l" defTabSz="914400" rtl="0" eaLnBrk="1" latinLnBrk="0" hangingPunct="1">
+              <a:lnSpc>
+                <a:spcPct val="100000"/>
+              </a:lnSpc>
+              <a:spcBef>
+                <a:spcPts val="200"/>
+              </a:spcBef>
+              <a:spcAft>
+                <a:spcPts val="400"/>
+              </a:spcAft>
+              <a:buClrTx/>
+              <a:buFont typeface="Calibri" pitchFamily="34" charset="0"/>
+              <a:buChar char="◦"/>
+              <a:defRPr sz="1300" kern="1200">
+                <a:solidFill>
+                  <a:schemeClr val="tx1">
+                    <a:lumMod val="75000"/>
+                    <a:lumOff val="25000"/>
+                  </a:schemeClr>
+                </a:solidFill>
+                <a:latin typeface="+mn-lt"/>
+                <a:ea typeface="+mn-ea"/>
+                <a:cs typeface="+mn-cs"/>
+              </a:defRPr>
+            </a:lvl4pPr>
+            <a:lvl5pPr marL="932688" indent="-182880" algn="l" defTabSz="914400" rtl="0" eaLnBrk="1" latinLnBrk="0" hangingPunct="1">
+              <a:lnSpc>
+                <a:spcPct val="100000"/>
+              </a:lnSpc>
+              <a:spcBef>
+                <a:spcPts val="200"/>
+              </a:spcBef>
+              <a:spcAft>
+                <a:spcPts val="400"/>
+              </a:spcAft>
+              <a:buClrTx/>
+              <a:buFont typeface="Calibri" pitchFamily="34" charset="0"/>
+              <a:buChar char="◦"/>
+              <a:defRPr sz="1300" kern="1200">
+                <a:solidFill>
+                  <a:schemeClr val="tx1">
+                    <a:lumMod val="75000"/>
+                    <a:lumOff val="25000"/>
+                  </a:schemeClr>
+                </a:solidFill>
+                <a:latin typeface="+mn-lt"/>
+                <a:ea typeface="+mn-ea"/>
+                <a:cs typeface="+mn-cs"/>
+              </a:defRPr>
+            </a:lvl5pPr>
+            <a:lvl6pPr marL="1100000" indent="-228600" algn="l" defTabSz="914400" rtl="0" eaLnBrk="1" latinLnBrk="0" hangingPunct="1">
+              <a:lnSpc>
+                <a:spcPct val="90000"/>
+              </a:lnSpc>
+              <a:spcBef>
+                <a:spcPts val="200"/>
+              </a:spcBef>
+              <a:spcAft>
+                <a:spcPts val="400"/>
+              </a:spcAft>
+              <a:buClr>
+                <a:schemeClr val="accent1"/>
+              </a:buClr>
+              <a:buFont typeface="Calibri" pitchFamily="34" charset="0"/>
+              <a:buChar char="◦"/>
+              <a:defRPr sz="1400" kern="1200">
+                <a:solidFill>
+                  <a:schemeClr val="tx1">
+                    <a:lumMod val="75000"/>
+                    <a:lumOff val="25000"/>
+                  </a:schemeClr>
+                </a:solidFill>
+                <a:latin typeface="+mn-lt"/>
+                <a:ea typeface="+mn-ea"/>
+                <a:cs typeface="+mn-cs"/>
+              </a:defRPr>
+            </a:lvl6pPr>
+            <a:lvl7pPr marL="1300000" indent="-228600" algn="l" defTabSz="914400" rtl="0" eaLnBrk="1" latinLnBrk="0" hangingPunct="1">
+              <a:lnSpc>
+                <a:spcPct val="90000"/>
+              </a:lnSpc>
+              <a:spcBef>
+                <a:spcPts val="200"/>
+              </a:spcBef>
+              <a:spcAft>
+                <a:spcPts val="400"/>
+              </a:spcAft>
+              <a:buClr>
+                <a:schemeClr val="accent1"/>
+              </a:buClr>
+              <a:buFont typeface="Calibri" pitchFamily="34" charset="0"/>
+              <a:buChar char="◦"/>
+              <a:defRPr sz="1400" kern="1200">
+                <a:solidFill>
+                  <a:schemeClr val="tx1">
+                    <a:lumMod val="75000"/>
+                    <a:lumOff val="25000"/>
+                  </a:schemeClr>
+                </a:solidFill>
+                <a:latin typeface="+mn-lt"/>
+                <a:ea typeface="+mn-ea"/>
+                <a:cs typeface="+mn-cs"/>
+              </a:defRPr>
+            </a:lvl7pPr>
+            <a:lvl8pPr marL="1500000" indent="-228600" algn="l" defTabSz="914400" rtl="0" eaLnBrk="1" latinLnBrk="0" hangingPunct="1">
+              <a:lnSpc>
+                <a:spcPct val="90000"/>
+              </a:lnSpc>
+              <a:spcBef>
+                <a:spcPts val="200"/>
+              </a:spcBef>
+              <a:spcAft>
+                <a:spcPts val="400"/>
+              </a:spcAft>
+              <a:buClr>
+                <a:schemeClr val="accent1"/>
+              </a:buClr>
+              <a:buFont typeface="Calibri" pitchFamily="34" charset="0"/>
+              <a:buChar char="◦"/>
+              <a:defRPr sz="1400" kern="1200">
+                <a:solidFill>
+                  <a:schemeClr val="tx1">
+                    <a:lumMod val="75000"/>
+                    <a:lumOff val="25000"/>
+                  </a:schemeClr>
+                </a:solidFill>
+                <a:latin typeface="+mn-lt"/>
+                <a:ea typeface="+mn-ea"/>
+                <a:cs typeface="+mn-cs"/>
+              </a:defRPr>
+            </a:lvl8pPr>
+            <a:lvl9pPr marL="1700000" indent="-228600" algn="l" defTabSz="914400" rtl="0" eaLnBrk="1" latinLnBrk="0" hangingPunct="1">
+              <a:lnSpc>
+                <a:spcPct val="90000"/>
+              </a:lnSpc>
+              <a:spcBef>
+                <a:spcPts val="200"/>
+              </a:spcBef>
+              <a:spcAft>
+                <a:spcPts val="400"/>
+              </a:spcAft>
+              <a:buClr>
+                <a:schemeClr val="accent1"/>
+              </a:buClr>
+              <a:buFont typeface="Calibri" pitchFamily="34" charset="0"/>
+              <a:buChar char="◦"/>
+              <a:defRPr sz="1400" kern="1200">
+                <a:solidFill>
+                  <a:schemeClr val="tx1">
+                    <a:lumMod val="75000"/>
+                    <a:lumOff val="25000"/>
+                  </a:schemeClr>
+                </a:solidFill>
+                <a:latin typeface="+mn-lt"/>
+                <a:ea typeface="+mn-ea"/>
+                <a:cs typeface="+mn-cs"/>
+              </a:defRPr>
+            </a:lvl9pPr>
+          </a:lstStyle>
+          <a:p>
+            <a:pPr marL="457200" indent="-457200">
+              <a:buFont typeface="+mj-lt"/>
+              <a:buAutoNum type="arabicPeriod" startAt="6"/>
+            </a:pPr>
             <a:r>
               <a:rPr lang="en-US" dirty="0"/>
-              <a:t>6. Learnings</a:t>
+              <a:t>Proof of Concept Demo</a:t>
+            </a:r>
+          </a:p>
+          <a:p>
+            <a:pPr marL="457200" indent="-457200">
+              <a:buFont typeface="+mj-lt"/>
+              <a:buAutoNum type="arabicPeriod" startAt="6"/>
+            </a:pPr>
+            <a:r>
+              <a:rPr lang="en-US" dirty="0"/>
+              <a:t>Learnings</a:t>
             </a:r>
           </a:p>
           <a:p>
             <a:pPr lvl="1"/>
             <a:r>
               <a:rPr lang="en-US" dirty="0"/>
-              <a:t>5.1 Temperature</a:t>
+              <a:t>Temperature</a:t>
             </a:r>
           </a:p>
           <a:p>
             <a:pPr lvl="1"/>
             <a:r>
               <a:rPr lang="en-US" dirty="0"/>
-              <a:t>5.2 Prompting</a:t>
-            </a:r>
-          </a:p>
-          <a:p>
+              <a:t>Prompting</a:t>
+            </a:r>
+          </a:p>
+          <a:p>
+            <a:pPr marL="457200" indent="-457200">
+              <a:buFont typeface="+mj-lt"/>
+              <a:buAutoNum type="arabicPeriod" startAt="6"/>
+            </a:pPr>
             <a:r>
               <a:rPr lang="en-US" dirty="0"/>
-              <a:t>7. Future Developments</a:t>
-            </a:r>
-          </a:p>
-          <a:p>
+              <a:t>Future Developments</a:t>
+            </a:r>
+          </a:p>
+          <a:p>
+            <a:pPr marL="457200" indent="-457200">
+              <a:buFont typeface="+mj-lt"/>
+              <a:buAutoNum type="arabicPeriod" startAt="6"/>
+            </a:pPr>
             <a:r>
               <a:rPr lang="en-US" dirty="0"/>
-              <a:t>8. References</a:t>
+              <a:t>References</a:t>
             </a:r>
           </a:p>
         </p:txBody>
@@ -4995,7 +5581,7 @@
           <p:cNvPr id="2" name="Title 1">
             <a:extLst>
               <a:ext uri="{FF2B5EF4-FFF2-40B4-BE49-F238E27FC236}">
-                <a16:creationId xmlns:a16="http://schemas.microsoft.com/office/drawing/2014/main" id="{B060A69D-34B1-023A-388B-7034159CC476}"/>
+                <a16:creationId xmlns:a16="http://schemas.microsoft.com/office/drawing/2014/main" id="{E5AF82C2-531A-D06A-7B3A-B097D1485AB2}"/>
               </a:ext>
             </a:extLst>
           </p:cNvPr>
@@ -5013,7 +5599,7 @@
           <a:p>
             <a:r>
               <a:rPr lang="en-US" dirty="0"/>
-              <a:t>AI Agents Definition</a:t>
+              <a:t>Definition</a:t>
             </a:r>
             <a:endParaRPr lang="en-CA" dirty="0"/>
           </a:p>
@@ -5024,7 +5610,7 @@
           <p:cNvPr id="3" name="Content Placeholder 2">
             <a:extLst>
               <a:ext uri="{FF2B5EF4-FFF2-40B4-BE49-F238E27FC236}">
-                <a16:creationId xmlns:a16="http://schemas.microsoft.com/office/drawing/2014/main" id="{EC0AF7C2-FA9D-7F8C-9806-10CC3F3B4706}"/>
+                <a16:creationId xmlns:a16="http://schemas.microsoft.com/office/drawing/2014/main" id="{7599F8F4-9F61-DF46-F535-2C918A9D37CD}"/>
               </a:ext>
             </a:extLst>
           </p:cNvPr>
@@ -5037,165 +5623,19 @@
         </p:nvSpPr>
         <p:spPr/>
         <p:txBody>
-          <a:bodyPr>
-            <a:normAutofit fontScale="55000" lnSpcReduction="20000"/>
-          </a:bodyPr>
+          <a:bodyPr/>
           <a:lstStyle/>
           <a:p>
             <a:r>
-              <a:rPr lang="en-US" dirty="0"/>
-              <a:t>AI agents vary in implementation but tend to have five components:</a:t>
-            </a:r>
-          </a:p>
-          <a:p>
-            <a:pPr>
-              <a:buFont typeface="Arial" panose="020B0604020202020204" pitchFamily="34" charset="0"/>
-              <a:buChar char="•"/>
-            </a:pPr>
-            <a:r>
-              <a:rPr lang="en-US" b="1" dirty="0"/>
-              <a:t>Agent-centric interfaces</a:t>
-            </a:r>
-            <a:r>
-              <a:rPr lang="en-US" dirty="0"/>
-              <a:t>, including the protocols and APIs used to connect agents to users, databases, sensors, and other systems, allowing intelligent software agents to observe their environment. </a:t>
-            </a:r>
-          </a:p>
-          <a:p>
-            <a:pPr>
-              <a:buFont typeface="Arial" panose="020B0604020202020204" pitchFamily="34" charset="0"/>
-              <a:buChar char="•"/>
-            </a:pPr>
-            <a:r>
-              <a:rPr lang="en-US" b="1" dirty="0"/>
-              <a:t>Memory module: </a:t>
-            </a:r>
-          </a:p>
-          <a:p>
-            <a:pPr lvl="1">
-              <a:buFont typeface="Arial" panose="020B0604020202020204" pitchFamily="34" charset="0"/>
-              <a:buChar char="•"/>
-            </a:pPr>
-            <a:r>
-              <a:rPr lang="en-US" dirty="0"/>
-              <a:t>short-term memory for recent events and immediate context</a:t>
-            </a:r>
-          </a:p>
-          <a:p>
-            <a:pPr lvl="1">
-              <a:buFont typeface="Arial" panose="020B0604020202020204" pitchFamily="34" charset="0"/>
-              <a:buChar char="•"/>
-            </a:pPr>
-            <a:r>
-              <a:rPr lang="en-US" dirty="0"/>
-              <a:t>long-term memory for factual knowledge, concepts, details of past conversations, and knowledge of how past tasks were performed. </a:t>
-            </a:r>
-          </a:p>
-          <a:p>
-            <a:pPr>
-              <a:buFont typeface="Arial" panose="020B0604020202020204" pitchFamily="34" charset="0"/>
-              <a:buChar char="•"/>
-            </a:pPr>
-            <a:r>
-              <a:rPr lang="en-US" b="1" dirty="0"/>
-              <a:t>Profile module:</a:t>
-            </a:r>
-            <a:r>
-              <a:rPr lang="en-US" dirty="0"/>
-              <a:t> </a:t>
-            </a:r>
-          </a:p>
-          <a:p>
-            <a:pPr lvl="1">
-              <a:buFont typeface="Arial" panose="020B0604020202020204" pitchFamily="34" charset="0"/>
-              <a:buChar char="•"/>
-            </a:pPr>
-            <a:r>
-              <a:rPr lang="en-US" dirty="0"/>
-              <a:t>agent’s attributes</a:t>
-            </a:r>
-          </a:p>
-          <a:p>
-            <a:pPr lvl="2">
-              <a:buFont typeface="Arial" panose="020B0604020202020204" pitchFamily="34" charset="0"/>
-              <a:buChar char="•"/>
-            </a:pPr>
-            <a:r>
-              <a:rPr lang="en-US" dirty="0"/>
-              <a:t>Role</a:t>
-            </a:r>
-          </a:p>
-          <a:p>
-            <a:pPr lvl="2">
-              <a:buFont typeface="Arial" panose="020B0604020202020204" pitchFamily="34" charset="0"/>
-              <a:buChar char="•"/>
-            </a:pPr>
-            <a:r>
-              <a:rPr lang="en-US" dirty="0"/>
-              <a:t>Goals</a:t>
-            </a:r>
-          </a:p>
-          <a:p>
-            <a:pPr lvl="2">
-              <a:buFont typeface="Arial" panose="020B0604020202020204" pitchFamily="34" charset="0"/>
-              <a:buChar char="•"/>
-            </a:pPr>
-            <a:r>
-              <a:rPr lang="en-US" dirty="0"/>
-              <a:t>behavioral patterns</a:t>
-            </a:r>
-          </a:p>
-          <a:p>
-            <a:pPr>
-              <a:buFont typeface="Arial" panose="020B0604020202020204" pitchFamily="34" charset="0"/>
-              <a:buChar char="•"/>
-            </a:pPr>
-            <a:r>
-              <a:rPr lang="en-US" b="1" dirty="0"/>
-              <a:t>Planning module:</a:t>
-            </a:r>
-          </a:p>
-          <a:p>
-            <a:pPr lvl="1">
-              <a:buFont typeface="Arial" panose="020B0604020202020204" pitchFamily="34" charset="0"/>
-              <a:buChar char="•"/>
-            </a:pPr>
-            <a:r>
-              <a:rPr lang="en-US" dirty="0"/>
-              <a:t>uses an LLM or SLM</a:t>
-            </a:r>
-          </a:p>
-          <a:p>
-            <a:pPr lvl="1">
-              <a:buFont typeface="Arial" panose="020B0604020202020204" pitchFamily="34" charset="0"/>
-              <a:buChar char="•"/>
-            </a:pPr>
-            <a:r>
-              <a:rPr lang="en-US" dirty="0"/>
-              <a:t>takes observations from the environment, including memory and the agent’s profile, to assemble appropriate plans for an agent to take. </a:t>
-            </a:r>
-          </a:p>
-          <a:p>
-            <a:pPr>
-              <a:buFont typeface="Arial" panose="020B0604020202020204" pitchFamily="34" charset="0"/>
-              <a:buChar char="•"/>
-            </a:pPr>
-            <a:r>
-              <a:rPr lang="en-US" b="1" dirty="0"/>
-              <a:t>Action module:</a:t>
-            </a:r>
-          </a:p>
-          <a:p>
-            <a:pPr lvl="1">
-              <a:buFont typeface="Arial" panose="020B0604020202020204" pitchFamily="34" charset="0"/>
-              <a:buChar char="•"/>
-            </a:pPr>
-            <a:r>
-              <a:rPr lang="en-US" dirty="0"/>
-              <a:t>the APIs and system integrations that define the universe of actions available to the AI agent.</a:t>
-            </a:r>
-          </a:p>
-          <a:p>
+              <a:rPr lang="en-US" b="0" i="0" dirty="0">
+                <a:solidFill>
+                  <a:srgbClr val="212427"/>
+                </a:solidFill>
+                <a:effectLst/>
+                <a:latin typeface="henderson-bcg-sans"/>
+              </a:rPr>
+              <a:t>AI agents are artificial intelligence that use tools to accomplish goals. AI agents have the ability to remember across tasks and changing states; they can use one or more AI models to complete tasks; and they can decide when to access internal or external systems on a user’s behalf. This enables AI agents to make decisions and take actions autonomously with minimal human oversight.</a:t>
+            </a:r>
             <a:endParaRPr lang="en-CA" dirty="0"/>
           </a:p>
         </p:txBody>
@@ -5203,7 +5643,7 @@
     </p:spTree>
     <p:extLst>
       <p:ext uri="{BB962C8B-B14F-4D97-AF65-F5344CB8AC3E}">
-        <p14:creationId xmlns:p14="http://schemas.microsoft.com/office/powerpoint/2010/main" val="4106265969"/>
+        <p14:creationId xmlns:p14="http://schemas.microsoft.com/office/powerpoint/2010/main" val="3547221647"/>
       </p:ext>
     </p:extLst>
   </p:cSld>
@@ -5235,7 +5675,7 @@
           <p:cNvPr id="2" name="Title 1">
             <a:extLst>
               <a:ext uri="{FF2B5EF4-FFF2-40B4-BE49-F238E27FC236}">
-                <a16:creationId xmlns:a16="http://schemas.microsoft.com/office/drawing/2014/main" id="{F292A29F-1FFC-9EF1-0083-93B605151661}"/>
+                <a16:creationId xmlns:a16="http://schemas.microsoft.com/office/drawing/2014/main" id="{B060A69D-34B1-023A-388B-7034159CC476}"/>
               </a:ext>
             </a:extLst>
           </p:cNvPr>
@@ -5253,7 +5693,7 @@
           <a:p>
             <a:r>
               <a:rPr lang="en-US" dirty="0"/>
-              <a:t>Working AI Agents Terminology</a:t>
+              <a:t>Components</a:t>
             </a:r>
             <a:endParaRPr lang="en-CA" dirty="0"/>
           </a:p>
@@ -5264,7 +5704,7 @@
           <p:cNvPr id="3" name="Content Placeholder 2">
             <a:extLst>
               <a:ext uri="{FF2B5EF4-FFF2-40B4-BE49-F238E27FC236}">
-                <a16:creationId xmlns:a16="http://schemas.microsoft.com/office/drawing/2014/main" id="{43FF6EAC-5010-D53D-7ACB-E65FCAC3DE11}"/>
+                <a16:creationId xmlns:a16="http://schemas.microsoft.com/office/drawing/2014/main" id="{EC0AF7C2-FA9D-7F8C-9806-10CC3F3B4706}"/>
               </a:ext>
             </a:extLst>
           </p:cNvPr>
@@ -5275,19 +5715,190 @@
             <p:ph idx="1"/>
           </p:nvPr>
         </p:nvSpPr>
-        <p:spPr/>
+        <p:spPr>
+          <a:xfrm>
+            <a:off x="1097281" y="2206070"/>
+            <a:ext cx="4998720" cy="3663022"/>
+          </a:xfrm>
+        </p:spPr>
         <p:txBody>
-          <a:bodyPr/>
+          <a:bodyPr>
+            <a:noAutofit/>
+          </a:bodyPr>
           <a:lstStyle/>
           <a:p>
-            <a:endParaRPr lang="en-CA"/>
+            <a:pPr marL="0" indent="0">
+              <a:buNone/>
+            </a:pPr>
+            <a:r>
+              <a:rPr lang="en-US" sz="1600" b="1" dirty="0"/>
+              <a:t>1) Agent-centric interfaces</a:t>
+            </a:r>
+            <a:r>
+              <a:rPr lang="en-US" sz="1600" dirty="0"/>
+              <a:t>, including the protocols and APIs used to connect agents to users, databases, sensors, and other systems, allowing intelligent software agents to observe their environment. </a:t>
+            </a:r>
+          </a:p>
+          <a:p>
+            <a:pPr marL="0" indent="0">
+              <a:buNone/>
+            </a:pPr>
+            <a:r>
+              <a:rPr lang="en-US" sz="1600" b="1" dirty="0"/>
+              <a:t>2) Memory module: </a:t>
+            </a:r>
+          </a:p>
+          <a:p>
+            <a:pPr lvl="1">
+              <a:buFont typeface="Arial" panose="020B0604020202020204" pitchFamily="34" charset="0"/>
+              <a:buChar char="•"/>
+            </a:pPr>
+            <a:r>
+              <a:rPr lang="en-US" sz="1600" dirty="0"/>
+              <a:t>short-term memory for recent events and immediate context</a:t>
+            </a:r>
+          </a:p>
+          <a:p>
+            <a:pPr lvl="1">
+              <a:buFont typeface="Arial" panose="020B0604020202020204" pitchFamily="34" charset="0"/>
+              <a:buChar char="•"/>
+            </a:pPr>
+            <a:r>
+              <a:rPr lang="en-US" sz="1600" dirty="0"/>
+              <a:t>long-term memory for factual knowledge, concepts, details of past conversations, and knowledge of how past tasks were performed. </a:t>
+            </a:r>
+          </a:p>
+          <a:p>
+            <a:endParaRPr lang="en-CA" dirty="0"/>
+          </a:p>
+        </p:txBody>
+      </p:sp>
+      <p:sp>
+        <p:nvSpPr>
+          <p:cNvPr id="5" name="TextBox 4">
+            <a:extLst>
+              <a:ext uri="{FF2B5EF4-FFF2-40B4-BE49-F238E27FC236}">
+                <a16:creationId xmlns:a16="http://schemas.microsoft.com/office/drawing/2014/main" id="{B0DB46B5-BBDC-F8D7-3FC5-ED46B0230945}"/>
+              </a:ext>
+            </a:extLst>
+          </p:cNvPr>
+          <p:cNvSpPr txBox="1"/>
+          <p:nvPr/>
+        </p:nvSpPr>
+        <p:spPr>
+          <a:xfrm>
+            <a:off x="6096000" y="2153973"/>
+            <a:ext cx="5630136" cy="3293209"/>
+          </a:xfrm>
+          <a:prstGeom prst="rect">
+            <a:avLst/>
+          </a:prstGeom>
+          <a:noFill/>
+        </p:spPr>
+        <p:txBody>
+          <a:bodyPr wrap="square">
+            <a:spAutoFit/>
+          </a:bodyPr>
+          <a:lstStyle/>
+          <a:p>
+            <a:r>
+              <a:rPr lang="en-US" sz="1600" b="1" dirty="0"/>
+              <a:t>3) Profile module:</a:t>
+            </a:r>
+            <a:r>
+              <a:rPr lang="en-US" sz="1600" dirty="0"/>
+              <a:t> </a:t>
+            </a:r>
+          </a:p>
+          <a:p>
+            <a:pPr lvl="1">
+              <a:buFont typeface="Arial" panose="020B0604020202020204" pitchFamily="34" charset="0"/>
+              <a:buChar char="•"/>
+            </a:pPr>
+            <a:r>
+              <a:rPr lang="en-US" sz="1600" dirty="0"/>
+              <a:t>agent’s attributes</a:t>
+            </a:r>
+          </a:p>
+          <a:p>
+            <a:pPr lvl="2">
+              <a:buFont typeface="Arial" panose="020B0604020202020204" pitchFamily="34" charset="0"/>
+              <a:buChar char="•"/>
+            </a:pPr>
+            <a:r>
+              <a:rPr lang="en-US" sz="1600" dirty="0"/>
+              <a:t>Role</a:t>
+            </a:r>
+          </a:p>
+          <a:p>
+            <a:pPr lvl="2">
+              <a:buFont typeface="Arial" panose="020B0604020202020204" pitchFamily="34" charset="0"/>
+              <a:buChar char="•"/>
+            </a:pPr>
+            <a:r>
+              <a:rPr lang="en-US" sz="1600" dirty="0"/>
+              <a:t>Goals</a:t>
+            </a:r>
+          </a:p>
+          <a:p>
+            <a:pPr lvl="2">
+              <a:buFont typeface="Arial" panose="020B0604020202020204" pitchFamily="34" charset="0"/>
+              <a:buChar char="•"/>
+            </a:pPr>
+            <a:r>
+              <a:rPr lang="en-US" sz="1600" dirty="0"/>
+              <a:t>behavioral patterns</a:t>
+            </a:r>
+            <a:endParaRPr lang="en-US" sz="1600" b="1" dirty="0"/>
+          </a:p>
+          <a:p>
+            <a:r>
+              <a:rPr lang="en-US" sz="1600" b="1" dirty="0"/>
+              <a:t>4) Planning module:</a:t>
+            </a:r>
+          </a:p>
+          <a:p>
+            <a:pPr lvl="1">
+              <a:buFont typeface="Arial" panose="020B0604020202020204" pitchFamily="34" charset="0"/>
+              <a:buChar char="•"/>
+            </a:pPr>
+            <a:r>
+              <a:rPr lang="en-US" sz="1600" dirty="0"/>
+              <a:t>uses an LLM or SLM</a:t>
+            </a:r>
+          </a:p>
+          <a:p>
+            <a:pPr lvl="1">
+              <a:buFont typeface="Arial" panose="020B0604020202020204" pitchFamily="34" charset="0"/>
+              <a:buChar char="•"/>
+            </a:pPr>
+            <a:r>
+              <a:rPr lang="en-US" sz="1600" dirty="0"/>
+              <a:t>takes observations from the environment, including memory and the agent’s profile, to assemble appropriate plans for an agent to take. </a:t>
+            </a:r>
+          </a:p>
+          <a:p>
+            <a:r>
+              <a:rPr lang="en-US" sz="1600" b="1" dirty="0"/>
+              <a:t>5) Action module:</a:t>
+            </a:r>
+          </a:p>
+          <a:p>
+            <a:pPr lvl="1">
+              <a:buFont typeface="Arial" panose="020B0604020202020204" pitchFamily="34" charset="0"/>
+              <a:buChar char="•"/>
+            </a:pPr>
+            <a:r>
+              <a:rPr lang="en-US" sz="1600" dirty="0"/>
+              <a:t>the APIs and system integrations that define the universe of actions available to the AI agent.</a:t>
+            </a:r>
           </a:p>
         </p:txBody>
       </p:sp>
     </p:spTree>
     <p:extLst>
       <p:ext uri="{BB962C8B-B14F-4D97-AF65-F5344CB8AC3E}">
-        <p14:creationId xmlns:p14="http://schemas.microsoft.com/office/powerpoint/2010/main" val="1690365517"/>
+        <p14:creationId xmlns:p14="http://schemas.microsoft.com/office/powerpoint/2010/main" val="4106265969"/>
       </p:ext>
     </p:extLst>
   </p:cSld>
@@ -5319,7 +5930,7 @@
           <p:cNvPr id="2" name="Title 1">
             <a:extLst>
               <a:ext uri="{FF2B5EF4-FFF2-40B4-BE49-F238E27FC236}">
-                <a16:creationId xmlns:a16="http://schemas.microsoft.com/office/drawing/2014/main" id="{7A539592-270A-B6DE-89E8-78DB5C7E7ADF}"/>
+                <a16:creationId xmlns:a16="http://schemas.microsoft.com/office/drawing/2014/main" id="{F292A29F-1FFC-9EF1-0083-93B605151661}"/>
               </a:ext>
             </a:extLst>
           </p:cNvPr>
@@ -5337,43 +5948,276 @@
           <a:p>
             <a:r>
               <a:rPr lang="en-US" dirty="0"/>
-              <a:t>AI Agents Multi-Agent Platform </a:t>
+              <a:t>Agent Attributes in Crew AI</a:t>
             </a:r>
             <a:endParaRPr lang="en-CA" dirty="0"/>
           </a:p>
         </p:txBody>
       </p:sp>
-      <p:sp>
-        <p:nvSpPr>
-          <p:cNvPr id="3" name="Content Placeholder 2">
-            <a:extLst>
-              <a:ext uri="{FF2B5EF4-FFF2-40B4-BE49-F238E27FC236}">
-                <a16:creationId xmlns:a16="http://schemas.microsoft.com/office/drawing/2014/main" id="{517F6150-217A-84C1-5286-5E0C00C0201E}"/>
-              </a:ext>
-            </a:extLst>
-          </p:cNvPr>
-          <p:cNvSpPr>
-            <a:spLocks noGrp="1"/>
-          </p:cNvSpPr>
+      <p:graphicFrame>
+        <p:nvGraphicFramePr>
+          <p:cNvPr id="4" name="Content Placeholder 3">
+            <a:extLst>
+              <a:ext uri="{FF2B5EF4-FFF2-40B4-BE49-F238E27FC236}">
+                <a16:creationId xmlns:a16="http://schemas.microsoft.com/office/drawing/2014/main" id="{808399AC-082B-6D73-475B-4D7A871DF223}"/>
+              </a:ext>
+            </a:extLst>
+          </p:cNvPr>
+          <p:cNvGraphicFramePr>
+            <a:graphicFrameLocks noGrp="1"/>
+          </p:cNvGraphicFramePr>
           <p:nvPr>
             <p:ph idx="1"/>
-          </p:nvPr>
-        </p:nvSpPr>
-        <p:spPr/>
-        <p:txBody>
-          <a:bodyPr>
-            <a:normAutofit/>
-          </a:bodyPr>
-          <a:lstStyle/>
-          <a:p>
-            <a:endParaRPr lang="en-CA" dirty="0"/>
-          </a:p>
-        </p:txBody>
-      </p:sp>
+            <p:extLst>
+              <p:ext uri="{D42A27DB-BD31-4B8C-83A1-F6EECF244321}">
+                <p14:modId xmlns:p14="http://schemas.microsoft.com/office/powerpoint/2010/main" val="1196725022"/>
+              </p:ext>
+            </p:extLst>
+          </p:nvPr>
+        </p:nvGraphicFramePr>
+        <p:xfrm>
+          <a:off x="1096963" y="2108200"/>
+          <a:ext cx="10058400" cy="2763520"/>
+        </p:xfrm>
+        <a:graphic>
+          <a:graphicData uri="http://schemas.openxmlformats.org/drawingml/2006/table">
+            <a:tbl>
+              <a:tblPr firstRow="1" bandRow="1">
+                <a:tableStyleId>{5C22544A-7EE6-4342-B048-85BDC9FD1C3A}</a:tableStyleId>
+              </a:tblPr>
+              <a:tblGrid>
+                <a:gridCol w="5029200">
+                  <a:extLst>
+                    <a:ext uri="{9D8B030D-6E8A-4147-A177-3AD203B41FA5}">
+                      <a16:colId xmlns:a16="http://schemas.microsoft.com/office/drawing/2014/main" val="2612445645"/>
+                    </a:ext>
+                  </a:extLst>
+                </a:gridCol>
+                <a:gridCol w="5029200">
+                  <a:extLst>
+                    <a:ext uri="{9D8B030D-6E8A-4147-A177-3AD203B41FA5}">
+                      <a16:colId xmlns:a16="http://schemas.microsoft.com/office/drawing/2014/main" val="2721018547"/>
+                    </a:ext>
+                  </a:extLst>
+                </a:gridCol>
+              </a:tblGrid>
+              <a:tr h="370840">
+                <a:tc>
+                  <a:txBody>
+                    <a:bodyPr/>
+                    <a:lstStyle/>
+                    <a:p>
+                      <a:r>
+                        <a:rPr lang="en-US" dirty="0"/>
+                        <a:t>Attribute</a:t>
+                      </a:r>
+                      <a:endParaRPr lang="en-CA" dirty="0"/>
+                    </a:p>
+                  </a:txBody>
+                  <a:tcPr/>
+                </a:tc>
+                <a:tc>
+                  <a:txBody>
+                    <a:bodyPr/>
+                    <a:lstStyle/>
+                    <a:p>
+                      <a:r>
+                        <a:rPr lang="en-US" dirty="0"/>
+                        <a:t>Description</a:t>
+                      </a:r>
+                      <a:endParaRPr lang="en-CA" dirty="0"/>
+                    </a:p>
+                  </a:txBody>
+                  <a:tcPr/>
+                </a:tc>
+                <a:extLst>
+                  <a:ext uri="{0D108BD9-81ED-4DB2-BD59-A6C34878D82A}">
+                    <a16:rowId xmlns:a16="http://schemas.microsoft.com/office/drawing/2014/main" val="3271208064"/>
+                  </a:ext>
+                </a:extLst>
+              </a:tr>
+              <a:tr h="370840">
+                <a:tc>
+                  <a:txBody>
+                    <a:bodyPr/>
+                    <a:lstStyle/>
+                    <a:p>
+                      <a:r>
+                        <a:rPr lang="en-US" dirty="0"/>
+                        <a:t>Role</a:t>
+                      </a:r>
+                      <a:endParaRPr lang="en-CA" dirty="0"/>
+                    </a:p>
+                  </a:txBody>
+                  <a:tcPr/>
+                </a:tc>
+                <a:tc>
+                  <a:txBody>
+                    <a:bodyPr/>
+                    <a:lstStyle/>
+                    <a:p>
+                      <a:r>
+                        <a:rPr lang="en-US" dirty="0"/>
+                        <a:t>Agent function and expertise</a:t>
+                      </a:r>
+                      <a:endParaRPr lang="en-CA" dirty="0"/>
+                    </a:p>
+                  </a:txBody>
+                  <a:tcPr/>
+                </a:tc>
+                <a:extLst>
+                  <a:ext uri="{0D108BD9-81ED-4DB2-BD59-A6C34878D82A}">
+                    <a16:rowId xmlns:a16="http://schemas.microsoft.com/office/drawing/2014/main" val="3973522446"/>
+                  </a:ext>
+                </a:extLst>
+              </a:tr>
+              <a:tr h="370840">
+                <a:tc>
+                  <a:txBody>
+                    <a:bodyPr/>
+                    <a:lstStyle/>
+                    <a:p>
+                      <a:r>
+                        <a:rPr lang="en-US" dirty="0"/>
+                        <a:t>Goal</a:t>
+                      </a:r>
+                    </a:p>
+                  </a:txBody>
+                  <a:tcPr/>
+                </a:tc>
+                <a:tc>
+                  <a:txBody>
+                    <a:bodyPr/>
+                    <a:lstStyle/>
+                    <a:p>
+                      <a:r>
+                        <a:rPr lang="en-US" dirty="0"/>
+                        <a:t>Guides decision making of the agent</a:t>
+                      </a:r>
+                      <a:endParaRPr lang="en-CA" dirty="0"/>
+                    </a:p>
+                  </a:txBody>
+                  <a:tcPr/>
+                </a:tc>
+                <a:extLst>
+                  <a:ext uri="{0D108BD9-81ED-4DB2-BD59-A6C34878D82A}">
+                    <a16:rowId xmlns:a16="http://schemas.microsoft.com/office/drawing/2014/main" val="2671261136"/>
+                  </a:ext>
+                </a:extLst>
+              </a:tr>
+              <a:tr h="370840">
+                <a:tc>
+                  <a:txBody>
+                    <a:bodyPr/>
+                    <a:lstStyle/>
+                    <a:p>
+                      <a:r>
+                        <a:rPr lang="en-US" dirty="0"/>
+                        <a:t>Backstory</a:t>
+                      </a:r>
+                      <a:endParaRPr lang="en-CA" dirty="0"/>
+                    </a:p>
+                  </a:txBody>
+                  <a:tcPr/>
+                </a:tc>
+                <a:tc>
+                  <a:txBody>
+                    <a:bodyPr/>
+                    <a:lstStyle/>
+                    <a:p>
+                      <a:r>
+                        <a:rPr lang="en-US" dirty="0"/>
+                        <a:t>Provides more context and personality for the agent to enrich interactions</a:t>
+                      </a:r>
+                      <a:endParaRPr lang="en-CA" dirty="0"/>
+                    </a:p>
+                  </a:txBody>
+                  <a:tcPr/>
+                </a:tc>
+                <a:extLst>
+                  <a:ext uri="{0D108BD9-81ED-4DB2-BD59-A6C34878D82A}">
+                    <a16:rowId xmlns:a16="http://schemas.microsoft.com/office/drawing/2014/main" val="1541705380"/>
+                  </a:ext>
+                </a:extLst>
+              </a:tr>
+              <a:tr h="370840">
+                <a:tc>
+                  <a:txBody>
+                    <a:bodyPr/>
+                    <a:lstStyle/>
+                    <a:p>
+                      <a:r>
+                        <a:rPr lang="en-US" dirty="0"/>
+                        <a:t>LLM</a:t>
+                      </a:r>
+                      <a:endParaRPr lang="en-CA" dirty="0"/>
+                    </a:p>
+                  </a:txBody>
+                  <a:tcPr/>
+                </a:tc>
+                <a:tc>
+                  <a:txBody>
+                    <a:bodyPr/>
+                    <a:lstStyle/>
+                    <a:p>
+                      <a:r>
+                        <a:rPr lang="en-US" dirty="0"/>
+                        <a:t>Language model that powers the agent</a:t>
+                      </a:r>
+                      <a:endParaRPr lang="en-CA" dirty="0"/>
+                    </a:p>
+                  </a:txBody>
+                  <a:tcPr/>
+                </a:tc>
+                <a:extLst>
+                  <a:ext uri="{0D108BD9-81ED-4DB2-BD59-A6C34878D82A}">
+                    <a16:rowId xmlns:a16="http://schemas.microsoft.com/office/drawing/2014/main" val="3852061892"/>
+                  </a:ext>
+                </a:extLst>
+              </a:tr>
+              <a:tr h="370840">
+                <a:tc>
+                  <a:txBody>
+                    <a:bodyPr/>
+                    <a:lstStyle/>
+                    <a:p>
+                      <a:r>
+                        <a:rPr lang="en-US" dirty="0"/>
+                        <a:t>Tools</a:t>
+                      </a:r>
+                      <a:endParaRPr lang="en-CA" dirty="0"/>
+                    </a:p>
+                  </a:txBody>
+                  <a:tcPr/>
+                </a:tc>
+                <a:tc>
+                  <a:txBody>
+                    <a:bodyPr/>
+                    <a:lstStyle/>
+                    <a:p>
+                      <a:r>
+                        <a:rPr lang="en-US" dirty="0"/>
+                        <a:t>Capabilities or functions available for agent to use(Defaults to empty list)</a:t>
+                      </a:r>
+                      <a:endParaRPr lang="en-CA" dirty="0"/>
+                    </a:p>
+                  </a:txBody>
+                  <a:tcPr/>
+                </a:tc>
+                <a:extLst>
+                  <a:ext uri="{0D108BD9-81ED-4DB2-BD59-A6C34878D82A}">
+                    <a16:rowId xmlns:a16="http://schemas.microsoft.com/office/drawing/2014/main" val="1090583067"/>
+                  </a:ext>
+                </a:extLst>
+              </a:tr>
+            </a:tbl>
+          </a:graphicData>
+        </a:graphic>
+      </p:graphicFrame>
     </p:spTree>
     <p:extLst>
       <p:ext uri="{BB962C8B-B14F-4D97-AF65-F5344CB8AC3E}">
-        <p14:creationId xmlns:p14="http://schemas.microsoft.com/office/powerpoint/2010/main" val="3932703635"/>
+        <p14:creationId xmlns:p14="http://schemas.microsoft.com/office/powerpoint/2010/main" val="1690365517"/>
       </p:ext>
     </p:extLst>
   </p:cSld>
@@ -5405,7 +6249,7 @@
           <p:cNvPr id="2" name="Title 1">
             <a:extLst>
               <a:ext uri="{FF2B5EF4-FFF2-40B4-BE49-F238E27FC236}">
-                <a16:creationId xmlns:a16="http://schemas.microsoft.com/office/drawing/2014/main" id="{DB762547-DD8E-40A6-73A3-913A1210D3A9}"/>
+                <a16:creationId xmlns:a16="http://schemas.microsoft.com/office/drawing/2014/main" id="{7A539592-270A-B6DE-89E8-78DB5C7E7ADF}"/>
               </a:ext>
             </a:extLst>
           </p:cNvPr>
@@ -5423,41 +6267,541 @@
           <a:p>
             <a:r>
               <a:rPr lang="en-US" dirty="0"/>
-              <a:t>AI Agents </a:t>
+              <a:t>Multi-Agent Platform in Crew AI </a:t>
             </a:r>
             <a:endParaRPr lang="en-CA" dirty="0"/>
           </a:p>
         </p:txBody>
       </p:sp>
-      <p:sp>
-        <p:nvSpPr>
-          <p:cNvPr id="3" name="Content Placeholder 2">
-            <a:extLst>
-              <a:ext uri="{FF2B5EF4-FFF2-40B4-BE49-F238E27FC236}">
-                <a16:creationId xmlns:a16="http://schemas.microsoft.com/office/drawing/2014/main" id="{9B1C2D8B-8E36-CD84-4FF5-C2B7C382B07B}"/>
-              </a:ext>
-            </a:extLst>
-          </p:cNvPr>
-          <p:cNvSpPr>
-            <a:spLocks noGrp="1"/>
-          </p:cNvSpPr>
+      <p:pic>
+        <p:nvPicPr>
+          <p:cNvPr id="1028" name="Picture 4" descr="CrewAI Framework Overview">
+            <a:extLst>
+              <a:ext uri="{FF2B5EF4-FFF2-40B4-BE49-F238E27FC236}">
+                <a16:creationId xmlns:a16="http://schemas.microsoft.com/office/drawing/2014/main" id="{EA0326A1-0687-8537-D270-4A184C3C9A91}"/>
+              </a:ext>
+            </a:extLst>
+          </p:cNvPr>
+          <p:cNvPicPr>
+            <a:picLocks noGrp="1" noChangeAspect="1" noChangeArrowheads="1"/>
+          </p:cNvPicPr>
           <p:nvPr>
             <p:ph idx="1"/>
           </p:nvPr>
-        </p:nvSpPr>
-        <p:spPr/>
-        <p:txBody>
-          <a:bodyPr/>
-          <a:lstStyle/>
-          <a:p>
-            <a:endParaRPr lang="en-CA"/>
-          </a:p>
-        </p:txBody>
-      </p:sp>
+        </p:nvPicPr>
+        <p:blipFill>
+          <a:blip r:embed="rId3">
+            <a:extLst>
+              <a:ext uri="{28A0092B-C50C-407E-A947-70E740481C1C}">
+                <a14:useLocalDpi xmlns:a14="http://schemas.microsoft.com/office/drawing/2010/main" val="0"/>
+              </a:ext>
+            </a:extLst>
+          </a:blip>
+          <a:srcRect/>
+          <a:stretch>
+            <a:fillRect/>
+          </a:stretch>
+        </p:blipFill>
+        <p:spPr bwMode="auto">
+          <a:xfrm>
+            <a:off x="605338" y="2589734"/>
+            <a:ext cx="3791699" cy="2601448"/>
+          </a:xfrm>
+          <a:prstGeom prst="rect">
+            <a:avLst/>
+          </a:prstGeom>
+          <a:noFill/>
+          <a:extLst>
+            <a:ext uri="{909E8E84-426E-40DD-AFC4-6F175D3DCCD1}">
+              <a14:hiddenFill xmlns:a14="http://schemas.microsoft.com/office/drawing/2010/main">
+                <a:solidFill>
+                  <a:srgbClr val="FFFFFF"/>
+                </a:solidFill>
+              </a14:hiddenFill>
+            </a:ext>
+          </a:extLst>
+        </p:spPr>
+      </p:pic>
+      <p:graphicFrame>
+        <p:nvGraphicFramePr>
+          <p:cNvPr id="5" name="Table 4">
+            <a:extLst>
+              <a:ext uri="{FF2B5EF4-FFF2-40B4-BE49-F238E27FC236}">
+                <a16:creationId xmlns:a16="http://schemas.microsoft.com/office/drawing/2014/main" id="{D022A9C2-EC0C-9F44-2D28-810D1E83C8E3}"/>
+              </a:ext>
+            </a:extLst>
+          </p:cNvPr>
+          <p:cNvGraphicFramePr>
+            <a:graphicFrameLocks noGrp="1"/>
+          </p:cNvGraphicFramePr>
+          <p:nvPr>
+            <p:extLst>
+              <p:ext uri="{D42A27DB-BD31-4B8C-83A1-F6EECF244321}">
+                <p14:modId xmlns:p14="http://schemas.microsoft.com/office/powerpoint/2010/main" val="1087213565"/>
+              </p:ext>
+            </p:extLst>
+          </p:nvPr>
+        </p:nvGraphicFramePr>
+        <p:xfrm>
+          <a:off x="4460737" y="2039814"/>
+          <a:ext cx="6694943" cy="3914508"/>
+        </p:xfrm>
+        <a:graphic>
+          <a:graphicData uri="http://schemas.openxmlformats.org/drawingml/2006/table">
+            <a:tbl>
+              <a:tblPr firstRow="1" bandRow="1">
+                <a:tableStyleId>{5C22544A-7EE6-4342-B048-85BDC9FD1C3A}</a:tableStyleId>
+              </a:tblPr>
+              <a:tblGrid>
+                <a:gridCol w="1110355">
+                  <a:extLst>
+                    <a:ext uri="{9D8B030D-6E8A-4147-A177-3AD203B41FA5}">
+                      <a16:colId xmlns:a16="http://schemas.microsoft.com/office/drawing/2014/main" val="4016868880"/>
+                    </a:ext>
+                  </a:extLst>
+                </a:gridCol>
+                <a:gridCol w="2625467">
+                  <a:extLst>
+                    <a:ext uri="{9D8B030D-6E8A-4147-A177-3AD203B41FA5}">
+                      <a16:colId xmlns:a16="http://schemas.microsoft.com/office/drawing/2014/main" val="3915605030"/>
+                    </a:ext>
+                  </a:extLst>
+                </a:gridCol>
+                <a:gridCol w="2959121">
+                  <a:extLst>
+                    <a:ext uri="{9D8B030D-6E8A-4147-A177-3AD203B41FA5}">
+                      <a16:colId xmlns:a16="http://schemas.microsoft.com/office/drawing/2014/main" val="1994414632"/>
+                    </a:ext>
+                  </a:extLst>
+                </a:gridCol>
+              </a:tblGrid>
+              <a:tr h="257397">
+                <a:tc>
+                  <a:txBody>
+                    <a:bodyPr/>
+                    <a:lstStyle/>
+                    <a:p>
+                      <a:pPr algn="l" fontAlgn="b"/>
+                      <a:r>
+                        <a:rPr lang="en-CA" sz="1100" b="1" dirty="0">
+                          <a:effectLst/>
+                        </a:rPr>
+                        <a:t>Component</a:t>
+                      </a:r>
+                    </a:p>
+                  </a:txBody>
+                  <a:tcPr anchor="b"/>
+                </a:tc>
+                <a:tc>
+                  <a:txBody>
+                    <a:bodyPr/>
+                    <a:lstStyle/>
+                    <a:p>
+                      <a:pPr algn="ctr" fontAlgn="b"/>
+                      <a:r>
+                        <a:rPr lang="en-CA" sz="1100" b="1" dirty="0">
+                          <a:effectLst/>
+                        </a:rPr>
+                        <a:t>Description</a:t>
+                      </a:r>
+                    </a:p>
+                  </a:txBody>
+                  <a:tcPr anchor="b"/>
+                </a:tc>
+                <a:tc>
+                  <a:txBody>
+                    <a:bodyPr/>
+                    <a:lstStyle/>
+                    <a:p>
+                      <a:pPr algn="l" fontAlgn="b"/>
+                      <a:r>
+                        <a:rPr lang="en-CA" sz="1100" b="1">
+                          <a:effectLst/>
+                        </a:rPr>
+                        <a:t>Key Features</a:t>
+                      </a:r>
+                    </a:p>
+                  </a:txBody>
+                  <a:tcPr anchor="b"/>
+                </a:tc>
+                <a:extLst>
+                  <a:ext uri="{0D108BD9-81ED-4DB2-BD59-A6C34878D82A}">
+                    <a16:rowId xmlns:a16="http://schemas.microsoft.com/office/drawing/2014/main" val="3486124783"/>
+                  </a:ext>
+                </a:extLst>
+              </a:tr>
+              <a:tr h="769564">
+                <a:tc>
+                  <a:txBody>
+                    <a:bodyPr/>
+                    <a:lstStyle/>
+                    <a:p>
+                      <a:pPr algn="l" fontAlgn="base"/>
+                      <a:r>
+                        <a:rPr lang="en-CA" sz="1100" b="1" dirty="0">
+                          <a:effectLst/>
+                        </a:rPr>
+                        <a:t>Crew</a:t>
+                      </a:r>
+                      <a:endParaRPr lang="en-CA" sz="1100" dirty="0">
+                        <a:effectLst/>
+                      </a:endParaRPr>
+                    </a:p>
+                  </a:txBody>
+                  <a:tcPr anchor="ctr"/>
+                </a:tc>
+                <a:tc>
+                  <a:txBody>
+                    <a:bodyPr/>
+                    <a:lstStyle/>
+                    <a:p>
+                      <a:pPr algn="ctr" fontAlgn="base"/>
+                      <a:r>
+                        <a:rPr lang="en-CA" sz="1100" dirty="0">
+                          <a:effectLst/>
+                        </a:rPr>
+                        <a:t>The top-level organization</a:t>
+                      </a:r>
+                    </a:p>
+                  </a:txBody>
+                  <a:tcPr anchor="ctr"/>
+                </a:tc>
+                <a:tc>
+                  <a:txBody>
+                    <a:bodyPr/>
+                    <a:lstStyle/>
+                    <a:p>
+                      <a:pPr algn="l" fontAlgn="base"/>
+                      <a:r>
+                        <a:rPr lang="en-US" sz="1100">
+                          <a:effectLst/>
+                        </a:rPr>
+                        <a:t>• Manages AI agent teams</a:t>
+                      </a:r>
+                      <a:br>
+                        <a:rPr lang="en-US" sz="1100">
+                          <a:effectLst/>
+                        </a:rPr>
+                      </a:br>
+                      <a:r>
+                        <a:rPr lang="en-US" sz="1100">
+                          <a:effectLst/>
+                        </a:rPr>
+                        <a:t>• Oversees workflows</a:t>
+                      </a:r>
+                      <a:br>
+                        <a:rPr lang="en-US" sz="1100">
+                          <a:effectLst/>
+                        </a:rPr>
+                      </a:br>
+                      <a:r>
+                        <a:rPr lang="en-US" sz="1100">
+                          <a:effectLst/>
+                        </a:rPr>
+                        <a:t>• Ensures collaboration</a:t>
+                      </a:r>
+                      <a:br>
+                        <a:rPr lang="en-US" sz="1100">
+                          <a:effectLst/>
+                        </a:rPr>
+                      </a:br>
+                      <a:r>
+                        <a:rPr lang="en-US" sz="1100">
+                          <a:effectLst/>
+                        </a:rPr>
+                        <a:t>• Delivers outcomes</a:t>
+                      </a:r>
+                    </a:p>
+                  </a:txBody>
+                  <a:tcPr anchor="ctr"/>
+                </a:tc>
+                <a:extLst>
+                  <a:ext uri="{0D108BD9-81ED-4DB2-BD59-A6C34878D82A}">
+                    <a16:rowId xmlns:a16="http://schemas.microsoft.com/office/drawing/2014/main" val="4240074901"/>
+                  </a:ext>
+                </a:extLst>
+              </a:tr>
+              <a:tr h="913857">
+                <a:tc>
+                  <a:txBody>
+                    <a:bodyPr/>
+                    <a:lstStyle/>
+                    <a:p>
+                      <a:pPr algn="l" fontAlgn="base"/>
+                      <a:r>
+                        <a:rPr lang="en-CA" sz="1100" b="1">
+                          <a:effectLst/>
+                        </a:rPr>
+                        <a:t>AI Agents</a:t>
+                      </a:r>
+                      <a:endParaRPr lang="en-CA" sz="1100">
+                        <a:effectLst/>
+                      </a:endParaRPr>
+                    </a:p>
+                  </a:txBody>
+                  <a:tcPr anchor="ctr"/>
+                </a:tc>
+                <a:tc>
+                  <a:txBody>
+                    <a:bodyPr/>
+                    <a:lstStyle/>
+                    <a:p>
+                      <a:pPr algn="ctr" fontAlgn="base"/>
+                      <a:r>
+                        <a:rPr lang="en-CA" sz="1100" dirty="0">
+                          <a:effectLst/>
+                        </a:rPr>
+                        <a:t>Specialized team members</a:t>
+                      </a:r>
+                    </a:p>
+                  </a:txBody>
+                  <a:tcPr anchor="ctr"/>
+                </a:tc>
+                <a:tc>
+                  <a:txBody>
+                    <a:bodyPr/>
+                    <a:lstStyle/>
+                    <a:p>
+                      <a:pPr algn="l" fontAlgn="base"/>
+                      <a:r>
+                        <a:rPr lang="en-US" sz="1100">
+                          <a:effectLst/>
+                        </a:rPr>
+                        <a:t>• Have specific roles (researcher, writer)</a:t>
+                      </a:r>
+                      <a:br>
+                        <a:rPr lang="en-US" sz="1100">
+                          <a:effectLst/>
+                        </a:rPr>
+                      </a:br>
+                      <a:r>
+                        <a:rPr lang="en-US" sz="1100">
+                          <a:effectLst/>
+                        </a:rPr>
+                        <a:t>• Use designated tools</a:t>
+                      </a:r>
+                      <a:br>
+                        <a:rPr lang="en-US" sz="1100">
+                          <a:effectLst/>
+                        </a:rPr>
+                      </a:br>
+                      <a:r>
+                        <a:rPr lang="en-US" sz="1100">
+                          <a:effectLst/>
+                        </a:rPr>
+                        <a:t>• Can delegate tasks</a:t>
+                      </a:r>
+                      <a:br>
+                        <a:rPr lang="en-US" sz="1100">
+                          <a:effectLst/>
+                        </a:rPr>
+                      </a:br>
+                      <a:r>
+                        <a:rPr lang="en-US" sz="1100">
+                          <a:effectLst/>
+                        </a:rPr>
+                        <a:t>• Make autonomous decisions</a:t>
+                      </a:r>
+                    </a:p>
+                  </a:txBody>
+                  <a:tcPr anchor="ctr"/>
+                </a:tc>
+                <a:extLst>
+                  <a:ext uri="{0D108BD9-81ED-4DB2-BD59-A6C34878D82A}">
+                    <a16:rowId xmlns:a16="http://schemas.microsoft.com/office/drawing/2014/main" val="413144218"/>
+                  </a:ext>
+                </a:extLst>
+              </a:tr>
+              <a:tr h="1058150">
+                <a:tc>
+                  <a:txBody>
+                    <a:bodyPr/>
+                    <a:lstStyle/>
+                    <a:p>
+                      <a:pPr algn="l" fontAlgn="base"/>
+                      <a:r>
+                        <a:rPr lang="en-CA" sz="1100" b="1">
+                          <a:effectLst/>
+                        </a:rPr>
+                        <a:t>Process</a:t>
+                      </a:r>
+                      <a:endParaRPr lang="en-CA" sz="1100">
+                        <a:effectLst/>
+                      </a:endParaRPr>
+                    </a:p>
+                  </a:txBody>
+                  <a:tcPr anchor="ctr"/>
+                </a:tc>
+                <a:tc>
+                  <a:txBody>
+                    <a:bodyPr/>
+                    <a:lstStyle/>
+                    <a:p>
+                      <a:pPr algn="ctr" fontAlgn="base"/>
+                      <a:r>
+                        <a:rPr lang="en-CA" sz="1100" dirty="0">
+                          <a:effectLst/>
+                        </a:rPr>
+                        <a:t>Workflow management system</a:t>
+                      </a:r>
+                    </a:p>
+                  </a:txBody>
+                  <a:tcPr anchor="ctr"/>
+                </a:tc>
+                <a:tc>
+                  <a:txBody>
+                    <a:bodyPr/>
+                    <a:lstStyle/>
+                    <a:p>
+                      <a:pPr algn="l" fontAlgn="base"/>
+                      <a:r>
+                        <a:rPr lang="en-CA" sz="1100">
+                          <a:effectLst/>
+                        </a:rPr>
+                        <a:t>• Defines collaboration patterns</a:t>
+                      </a:r>
+                      <a:br>
+                        <a:rPr lang="en-CA" sz="1100">
+                          <a:effectLst/>
+                        </a:rPr>
+                      </a:br>
+                      <a:r>
+                        <a:rPr lang="en-CA" sz="1100">
+                          <a:effectLst/>
+                        </a:rPr>
+                        <a:t>• Controls task assignments</a:t>
+                      </a:r>
+                      <a:br>
+                        <a:rPr lang="en-CA" sz="1100">
+                          <a:effectLst/>
+                        </a:rPr>
+                      </a:br>
+                      <a:r>
+                        <a:rPr lang="en-CA" sz="1100">
+                          <a:effectLst/>
+                        </a:rPr>
+                        <a:t>• Manages interactions</a:t>
+                      </a:r>
+                      <a:br>
+                        <a:rPr lang="en-CA" sz="1100">
+                          <a:effectLst/>
+                        </a:rPr>
+                      </a:br>
+                      <a:r>
+                        <a:rPr lang="en-CA" sz="1100">
+                          <a:effectLst/>
+                        </a:rPr>
+                        <a:t>• Ensures efficient execution</a:t>
+                      </a:r>
+                    </a:p>
+                  </a:txBody>
+                  <a:tcPr anchor="ctr"/>
+                </a:tc>
+                <a:extLst>
+                  <a:ext uri="{0D108BD9-81ED-4DB2-BD59-A6C34878D82A}">
+                    <a16:rowId xmlns:a16="http://schemas.microsoft.com/office/drawing/2014/main" val="592344635"/>
+                  </a:ext>
+                </a:extLst>
+              </a:tr>
+              <a:tr h="913857">
+                <a:tc>
+                  <a:txBody>
+                    <a:bodyPr/>
+                    <a:lstStyle/>
+                    <a:p>
+                      <a:pPr algn="l" fontAlgn="base"/>
+                      <a:r>
+                        <a:rPr lang="en-CA" sz="1100" b="1">
+                          <a:effectLst/>
+                        </a:rPr>
+                        <a:t>Tasks</a:t>
+                      </a:r>
+                      <a:endParaRPr lang="en-CA" sz="1100">
+                        <a:effectLst/>
+                      </a:endParaRPr>
+                    </a:p>
+                  </a:txBody>
+                  <a:tcPr anchor="ctr"/>
+                </a:tc>
+                <a:tc>
+                  <a:txBody>
+                    <a:bodyPr/>
+                    <a:lstStyle/>
+                    <a:p>
+                      <a:pPr algn="ctr" fontAlgn="base"/>
+                      <a:r>
+                        <a:rPr lang="en-CA" sz="1100">
+                          <a:effectLst/>
+                        </a:rPr>
+                        <a:t>Individual assignments</a:t>
+                      </a:r>
+                    </a:p>
+                  </a:txBody>
+                  <a:tcPr anchor="ctr"/>
+                </a:tc>
+                <a:tc>
+                  <a:txBody>
+                    <a:bodyPr/>
+                    <a:lstStyle/>
+                    <a:p>
+                      <a:pPr algn="l" fontAlgn="base"/>
+                      <a:r>
+                        <a:rPr lang="en-US" sz="1100" dirty="0">
+                          <a:effectLst/>
+                        </a:rPr>
+                        <a:t>• Have clear objectives</a:t>
+                      </a:r>
+                      <a:br>
+                        <a:rPr lang="en-US" sz="1100" dirty="0">
+                          <a:effectLst/>
+                        </a:rPr>
+                      </a:br>
+                      <a:r>
+                        <a:rPr lang="en-US" sz="1100" dirty="0">
+                          <a:effectLst/>
+                        </a:rPr>
+                        <a:t>• Use specific tools</a:t>
+                      </a:r>
+                      <a:br>
+                        <a:rPr lang="en-US" sz="1100" dirty="0">
+                          <a:effectLst/>
+                        </a:rPr>
+                      </a:br>
+                      <a:r>
+                        <a:rPr lang="en-US" sz="1100" dirty="0">
+                          <a:effectLst/>
+                        </a:rPr>
+                        <a:t>• Feed into larger process</a:t>
+                      </a:r>
+                      <a:br>
+                        <a:rPr lang="en-US" sz="1100" dirty="0">
+                          <a:effectLst/>
+                        </a:rPr>
+                      </a:br>
+                      <a:r>
+                        <a:rPr lang="en-US" sz="1100" dirty="0">
+                          <a:effectLst/>
+                        </a:rPr>
+                        <a:t>• Produce actionable results</a:t>
+                      </a:r>
+                    </a:p>
+                  </a:txBody>
+                  <a:tcPr anchor="ctr"/>
+                </a:tc>
+                <a:extLst>
+                  <a:ext uri="{0D108BD9-81ED-4DB2-BD59-A6C34878D82A}">
+                    <a16:rowId xmlns:a16="http://schemas.microsoft.com/office/drawing/2014/main" val="4109461479"/>
+                  </a:ext>
+                </a:extLst>
+              </a:tr>
+            </a:tbl>
+          </a:graphicData>
+        </a:graphic>
+      </p:graphicFrame>
     </p:spTree>
     <p:extLst>
       <p:ext uri="{BB962C8B-B14F-4D97-AF65-F5344CB8AC3E}">
-        <p14:creationId xmlns:p14="http://schemas.microsoft.com/office/powerpoint/2010/main" val="2976626320"/>
+        <p14:creationId xmlns:p14="http://schemas.microsoft.com/office/powerpoint/2010/main" val="3932703635"/>
       </p:ext>
     </p:extLst>
   </p:cSld>
@@ -5484,12 +6828,59 @@
           <a:chExt cx="0" cy="0"/>
         </a:xfrm>
       </p:grpSpPr>
+      <p:pic>
+        <p:nvPicPr>
+          <p:cNvPr id="2052" name="Picture 4" descr="Five tips to make organising folders easier">
+            <a:extLst>
+              <a:ext uri="{FF2B5EF4-FFF2-40B4-BE49-F238E27FC236}">
+                <a16:creationId xmlns:a16="http://schemas.microsoft.com/office/drawing/2014/main" id="{04E767C3-242D-E52B-4C87-364F207C5C3C}"/>
+              </a:ext>
+            </a:extLst>
+          </p:cNvPr>
+          <p:cNvPicPr>
+            <a:picLocks noChangeAspect="1" noChangeArrowheads="1"/>
+          </p:cNvPicPr>
+          <p:nvPr/>
+        </p:nvPicPr>
+        <p:blipFill>
+          <a:blip r:embed="rId2">
+            <a:extLst>
+              <a:ext uri="{28A0092B-C50C-407E-A947-70E740481C1C}">
+                <a14:useLocalDpi xmlns:a14="http://schemas.microsoft.com/office/drawing/2010/main" val="0"/>
+              </a:ext>
+            </a:extLst>
+          </a:blip>
+          <a:srcRect/>
+          <a:stretch>
+            <a:fillRect/>
+          </a:stretch>
+        </p:blipFill>
+        <p:spPr bwMode="auto">
+          <a:xfrm>
+            <a:off x="1090680" y="2137317"/>
+            <a:ext cx="2916624" cy="2088374"/>
+          </a:xfrm>
+          <a:prstGeom prst="rect">
+            <a:avLst/>
+          </a:prstGeom>
+          <a:noFill/>
+          <a:extLst>
+            <a:ext uri="{909E8E84-426E-40DD-AFC4-6F175D3DCCD1}">
+              <a14:hiddenFill xmlns:a14="http://schemas.microsoft.com/office/drawing/2010/main">
+                <a:solidFill>
+                  <a:srgbClr val="FFFFFF"/>
+                </a:solidFill>
+              </a14:hiddenFill>
+            </a:ext>
+          </a:extLst>
+        </p:spPr>
+      </p:pic>
       <p:sp>
         <p:nvSpPr>
           <p:cNvPr id="2" name="Title 1">
             <a:extLst>
               <a:ext uri="{FF2B5EF4-FFF2-40B4-BE49-F238E27FC236}">
-                <a16:creationId xmlns:a16="http://schemas.microsoft.com/office/drawing/2014/main" id="{75639CF2-ECD9-63EF-0AEA-9A8E7809A11D}"/>
+                <a16:creationId xmlns:a16="http://schemas.microsoft.com/office/drawing/2014/main" id="{DB762547-DD8E-40A6-73A3-913A1210D3A9}"/>
               </a:ext>
             </a:extLst>
           </p:cNvPr>
@@ -5507,18 +6898,552 @@
           <a:p>
             <a:r>
               <a:rPr lang="en-US" dirty="0"/>
-              <a:t>AI agents Proof of Concept</a:t>
+              <a:t>Use-case </a:t>
             </a:r>
             <a:endParaRPr lang="en-CA" dirty="0"/>
           </a:p>
         </p:txBody>
       </p:sp>
-      <p:sp>
-        <p:nvSpPr>
-          <p:cNvPr id="3" name="Content Placeholder 2">
-            <a:extLst>
-              <a:ext uri="{FF2B5EF4-FFF2-40B4-BE49-F238E27FC236}">
-                <a16:creationId xmlns:a16="http://schemas.microsoft.com/office/drawing/2014/main" id="{E69ABCB3-376A-3FEB-A419-6EE6CFDCBBA6}"/>
+      <p:pic>
+        <p:nvPicPr>
+          <p:cNvPr id="7" name="Content Placeholder 6">
+            <a:extLst>
+              <a:ext uri="{FF2B5EF4-FFF2-40B4-BE49-F238E27FC236}">
+                <a16:creationId xmlns:a16="http://schemas.microsoft.com/office/drawing/2014/main" id="{C7E485A1-108D-4625-8115-23904BAC1575}"/>
+              </a:ext>
+            </a:extLst>
+          </p:cNvPr>
+          <p:cNvPicPr>
+            <a:picLocks noGrp="1" noChangeAspect="1"/>
+          </p:cNvPicPr>
+          <p:nvPr>
+            <p:ph idx="1"/>
+          </p:nvPr>
+        </p:nvPicPr>
+        <p:blipFill>
+          <a:blip r:embed="rId3">
+            <a:extLst>
+              <a:ext uri="{28A0092B-C50C-407E-A947-70E740481C1C}">
+                <a14:useLocalDpi xmlns:a14="http://schemas.microsoft.com/office/drawing/2010/main" val="0"/>
+              </a:ext>
+            </a:extLst>
+          </a:blip>
+          <a:stretch>
+            <a:fillRect/>
+          </a:stretch>
+        </p:blipFill>
+        <p:spPr>
+          <a:xfrm>
+            <a:off x="1485042" y="2715669"/>
+            <a:ext cx="438280" cy="539084"/>
+          </a:xfrm>
+        </p:spPr>
+      </p:pic>
+      <p:pic>
+        <p:nvPicPr>
+          <p:cNvPr id="9" name="Picture 8">
+            <a:extLst>
+              <a:ext uri="{FF2B5EF4-FFF2-40B4-BE49-F238E27FC236}">
+                <a16:creationId xmlns:a16="http://schemas.microsoft.com/office/drawing/2014/main" id="{CD00B1C7-A884-A873-BAAC-6363F2EADF3C}"/>
+              </a:ext>
+            </a:extLst>
+          </p:cNvPr>
+          <p:cNvPicPr>
+            <a:picLocks noChangeAspect="1"/>
+          </p:cNvPicPr>
+          <p:nvPr/>
+        </p:nvPicPr>
+        <p:blipFill>
+          <a:blip r:embed="rId3">
+            <a:extLst>
+              <a:ext uri="{28A0092B-C50C-407E-A947-70E740481C1C}">
+                <a14:useLocalDpi xmlns:a14="http://schemas.microsoft.com/office/drawing/2010/main" val="0"/>
+              </a:ext>
+            </a:extLst>
+          </a:blip>
+          <a:stretch>
+            <a:fillRect/>
+          </a:stretch>
+        </p:blipFill>
+        <p:spPr>
+          <a:xfrm>
+            <a:off x="2329852" y="2715669"/>
+            <a:ext cx="438280" cy="539084"/>
+          </a:xfrm>
+          <a:prstGeom prst="rect">
+            <a:avLst/>
+          </a:prstGeom>
+        </p:spPr>
+      </p:pic>
+      <p:pic>
+        <p:nvPicPr>
+          <p:cNvPr id="11" name="Picture 10">
+            <a:extLst>
+              <a:ext uri="{FF2B5EF4-FFF2-40B4-BE49-F238E27FC236}">
+                <a16:creationId xmlns:a16="http://schemas.microsoft.com/office/drawing/2014/main" id="{0FD3CA2C-D8B4-5C5E-A3FB-E814E5541A3F}"/>
+              </a:ext>
+            </a:extLst>
+          </p:cNvPr>
+          <p:cNvPicPr>
+            <a:picLocks noChangeAspect="1"/>
+          </p:cNvPicPr>
+          <p:nvPr/>
+        </p:nvPicPr>
+        <p:blipFill>
+          <a:blip r:embed="rId3">
+            <a:extLst>
+              <a:ext uri="{28A0092B-C50C-407E-A947-70E740481C1C}">
+                <a14:useLocalDpi xmlns:a14="http://schemas.microsoft.com/office/drawing/2010/main" val="0"/>
+              </a:ext>
+            </a:extLst>
+          </a:blip>
+          <a:stretch>
+            <a:fillRect/>
+          </a:stretch>
+        </p:blipFill>
+        <p:spPr>
+          <a:xfrm>
+            <a:off x="3174662" y="2715669"/>
+            <a:ext cx="438280" cy="539084"/>
+          </a:xfrm>
+          <a:prstGeom prst="rect">
+            <a:avLst/>
+          </a:prstGeom>
+        </p:spPr>
+      </p:pic>
+      <p:pic>
+        <p:nvPicPr>
+          <p:cNvPr id="16" name="Picture 15">
+            <a:extLst>
+              <a:ext uri="{FF2B5EF4-FFF2-40B4-BE49-F238E27FC236}">
+                <a16:creationId xmlns:a16="http://schemas.microsoft.com/office/drawing/2014/main" id="{3532C1E5-311C-D855-4B42-173D9192F42D}"/>
+              </a:ext>
+            </a:extLst>
+          </p:cNvPr>
+          <p:cNvPicPr>
+            <a:picLocks noChangeAspect="1"/>
+          </p:cNvPicPr>
+          <p:nvPr/>
+        </p:nvPicPr>
+        <p:blipFill>
+          <a:blip r:embed="rId3">
+            <a:extLst>
+              <a:ext uri="{28A0092B-C50C-407E-A947-70E740481C1C}">
+                <a14:useLocalDpi xmlns:a14="http://schemas.microsoft.com/office/drawing/2010/main" val="0"/>
+              </a:ext>
+            </a:extLst>
+          </a:blip>
+          <a:stretch>
+            <a:fillRect/>
+          </a:stretch>
+        </p:blipFill>
+        <p:spPr>
+          <a:xfrm>
+            <a:off x="2768132" y="3438236"/>
+            <a:ext cx="438280" cy="539084"/>
+          </a:xfrm>
+          <a:prstGeom prst="rect">
+            <a:avLst/>
+          </a:prstGeom>
+        </p:spPr>
+      </p:pic>
+      <p:pic>
+        <p:nvPicPr>
+          <p:cNvPr id="17" name="Picture 16">
+            <a:extLst>
+              <a:ext uri="{FF2B5EF4-FFF2-40B4-BE49-F238E27FC236}">
+                <a16:creationId xmlns:a16="http://schemas.microsoft.com/office/drawing/2014/main" id="{4D0F0D18-E10D-3784-8DCB-4ED685AA776A}"/>
+              </a:ext>
+            </a:extLst>
+          </p:cNvPr>
+          <p:cNvPicPr>
+            <a:picLocks noChangeAspect="1"/>
+          </p:cNvPicPr>
+          <p:nvPr/>
+        </p:nvPicPr>
+        <p:blipFill>
+          <a:blip r:embed="rId3">
+            <a:extLst>
+              <a:ext uri="{28A0092B-C50C-407E-A947-70E740481C1C}">
+                <a14:useLocalDpi xmlns:a14="http://schemas.microsoft.com/office/drawing/2010/main" val="0"/>
+              </a:ext>
+            </a:extLst>
+          </a:blip>
+          <a:stretch>
+            <a:fillRect/>
+          </a:stretch>
+        </p:blipFill>
+        <p:spPr>
+          <a:xfrm>
+            <a:off x="1897668" y="3438236"/>
+            <a:ext cx="438280" cy="539084"/>
+          </a:xfrm>
+          <a:prstGeom prst="rect">
+            <a:avLst/>
+          </a:prstGeom>
+        </p:spPr>
+      </p:pic>
+      <p:pic>
+        <p:nvPicPr>
+          <p:cNvPr id="19" name="Picture 18">
+            <a:extLst>
+              <a:ext uri="{FF2B5EF4-FFF2-40B4-BE49-F238E27FC236}">
+                <a16:creationId xmlns:a16="http://schemas.microsoft.com/office/drawing/2014/main" id="{14BFA501-E488-FFA6-C9AF-66F4BA260FE8}"/>
+              </a:ext>
+            </a:extLst>
+          </p:cNvPr>
+          <p:cNvPicPr>
+            <a:picLocks noChangeAspect="1"/>
+          </p:cNvPicPr>
+          <p:nvPr/>
+        </p:nvPicPr>
+        <p:blipFill>
+          <a:blip r:embed="rId4">
+            <a:extLst>
+              <a:ext uri="{28A0092B-C50C-407E-A947-70E740481C1C}">
+                <a14:useLocalDpi xmlns:a14="http://schemas.microsoft.com/office/drawing/2010/main" val="0"/>
+              </a:ext>
+            </a:extLst>
+          </a:blip>
+          <a:stretch>
+            <a:fillRect/>
+          </a:stretch>
+        </p:blipFill>
+        <p:spPr>
+          <a:xfrm>
+            <a:off x="5491843" y="2922243"/>
+            <a:ext cx="906521" cy="906521"/>
+          </a:xfrm>
+          <a:prstGeom prst="rect">
+            <a:avLst/>
+          </a:prstGeom>
+        </p:spPr>
+      </p:pic>
+      <p:pic>
+        <p:nvPicPr>
+          <p:cNvPr id="20" name="Picture 14" descr="Free icon &quot;Microsoft PowerPoint icon&quot;">
+            <a:extLst>
+              <a:ext uri="{FF2B5EF4-FFF2-40B4-BE49-F238E27FC236}">
+                <a16:creationId xmlns:a16="http://schemas.microsoft.com/office/drawing/2014/main" id="{6282F3E1-9266-51BE-8365-FF7383330F6D}"/>
+              </a:ext>
+            </a:extLst>
+          </p:cNvPr>
+          <p:cNvPicPr>
+            <a:picLocks noChangeAspect="1" noChangeArrowheads="1"/>
+          </p:cNvPicPr>
+          <p:nvPr/>
+        </p:nvPicPr>
+        <p:blipFill>
+          <a:blip r:embed="rId5">
+            <a:extLst>
+              <a:ext uri="{28A0092B-C50C-407E-A947-70E740481C1C}">
+                <a14:useLocalDpi xmlns:a14="http://schemas.microsoft.com/office/drawing/2010/main" val="0"/>
+              </a:ext>
+            </a:extLst>
+          </a:blip>
+          <a:srcRect/>
+          <a:stretch>
+            <a:fillRect/>
+          </a:stretch>
+        </p:blipFill>
+        <p:spPr bwMode="auto">
+          <a:xfrm>
+            <a:off x="8305613" y="2975479"/>
+            <a:ext cx="788745" cy="788745"/>
+          </a:xfrm>
+          <a:prstGeom prst="rect">
+            <a:avLst/>
+          </a:prstGeom>
+          <a:noFill/>
+          <a:extLst>
+            <a:ext uri="{909E8E84-426E-40DD-AFC4-6F175D3DCCD1}">
+              <a14:hiddenFill xmlns:a14="http://schemas.microsoft.com/office/drawing/2010/main">
+                <a:solidFill>
+                  <a:srgbClr val="FFFFFF"/>
+                </a:solidFill>
+              </a14:hiddenFill>
+            </a:ext>
+          </a:extLst>
+        </p:spPr>
+      </p:pic>
+      <p:cxnSp>
+        <p:nvCxnSpPr>
+          <p:cNvPr id="22" name="Straight Arrow Connector 21">
+            <a:extLst>
+              <a:ext uri="{FF2B5EF4-FFF2-40B4-BE49-F238E27FC236}">
+                <a16:creationId xmlns:a16="http://schemas.microsoft.com/office/drawing/2014/main" id="{812BB85B-ABF2-EB4C-AC7C-24CAA61DE0A4}"/>
+              </a:ext>
+            </a:extLst>
+          </p:cNvPr>
+          <p:cNvCxnSpPr/>
+          <p:nvPr/>
+        </p:nvCxnSpPr>
+        <p:spPr>
+          <a:xfrm flipH="1" flipV="1">
+            <a:off x="1982266" y="3107681"/>
+            <a:ext cx="3689572" cy="321319"/>
+          </a:xfrm>
+          <a:prstGeom prst="straightConnector1">
+            <a:avLst/>
+          </a:prstGeom>
+          <a:ln>
+            <a:tailEnd type="triangle"/>
+          </a:ln>
+        </p:spPr>
+        <p:style>
+          <a:lnRef idx="1">
+            <a:schemeClr val="accent1"/>
+          </a:lnRef>
+          <a:fillRef idx="0">
+            <a:schemeClr val="accent1"/>
+          </a:fillRef>
+          <a:effectRef idx="0">
+            <a:schemeClr val="accent1"/>
+          </a:effectRef>
+          <a:fontRef idx="minor">
+            <a:schemeClr val="tx1"/>
+          </a:fontRef>
+        </p:style>
+      </p:cxnSp>
+      <p:cxnSp>
+        <p:nvCxnSpPr>
+          <p:cNvPr id="24" name="Straight Arrow Connector 23">
+            <a:extLst>
+              <a:ext uri="{FF2B5EF4-FFF2-40B4-BE49-F238E27FC236}">
+                <a16:creationId xmlns:a16="http://schemas.microsoft.com/office/drawing/2014/main" id="{E66598AE-A8D1-693D-53CA-29660E5E0358}"/>
+              </a:ext>
+            </a:extLst>
+          </p:cNvPr>
+          <p:cNvCxnSpPr>
+            <a:cxnSpLocks/>
+          </p:cNvCxnSpPr>
+          <p:nvPr/>
+        </p:nvCxnSpPr>
+        <p:spPr>
+          <a:xfrm flipH="1" flipV="1">
+            <a:off x="2839116" y="2998976"/>
+            <a:ext cx="2832722" cy="420788"/>
+          </a:xfrm>
+          <a:prstGeom prst="straightConnector1">
+            <a:avLst/>
+          </a:prstGeom>
+          <a:ln>
+            <a:tailEnd type="triangle"/>
+          </a:ln>
+        </p:spPr>
+        <p:style>
+          <a:lnRef idx="1">
+            <a:schemeClr val="accent1"/>
+          </a:lnRef>
+          <a:fillRef idx="0">
+            <a:schemeClr val="accent1"/>
+          </a:fillRef>
+          <a:effectRef idx="0">
+            <a:schemeClr val="accent1"/>
+          </a:effectRef>
+          <a:fontRef idx="minor">
+            <a:schemeClr val="tx1"/>
+          </a:fontRef>
+        </p:style>
+      </p:cxnSp>
+      <p:cxnSp>
+        <p:nvCxnSpPr>
+          <p:cNvPr id="28" name="Straight Arrow Connector 27">
+            <a:extLst>
+              <a:ext uri="{FF2B5EF4-FFF2-40B4-BE49-F238E27FC236}">
+                <a16:creationId xmlns:a16="http://schemas.microsoft.com/office/drawing/2014/main" id="{102B9073-0A47-5B03-8950-493A197B3A80}"/>
+              </a:ext>
+            </a:extLst>
+          </p:cNvPr>
+          <p:cNvCxnSpPr/>
+          <p:nvPr/>
+        </p:nvCxnSpPr>
+        <p:spPr>
+          <a:xfrm flipH="1" flipV="1">
+            <a:off x="3612942" y="2922243"/>
+            <a:ext cx="2058896" cy="506757"/>
+          </a:xfrm>
+          <a:prstGeom prst="straightConnector1">
+            <a:avLst/>
+          </a:prstGeom>
+          <a:ln>
+            <a:tailEnd type="triangle"/>
+          </a:ln>
+        </p:spPr>
+        <p:style>
+          <a:lnRef idx="1">
+            <a:schemeClr val="accent1"/>
+          </a:lnRef>
+          <a:fillRef idx="0">
+            <a:schemeClr val="accent1"/>
+          </a:fillRef>
+          <a:effectRef idx="0">
+            <a:schemeClr val="accent1"/>
+          </a:effectRef>
+          <a:fontRef idx="minor">
+            <a:schemeClr val="tx1"/>
+          </a:fontRef>
+        </p:style>
+      </p:cxnSp>
+      <p:cxnSp>
+        <p:nvCxnSpPr>
+          <p:cNvPr id="30" name="Straight Arrow Connector 29">
+            <a:extLst>
+              <a:ext uri="{FF2B5EF4-FFF2-40B4-BE49-F238E27FC236}">
+                <a16:creationId xmlns:a16="http://schemas.microsoft.com/office/drawing/2014/main" id="{76006065-2496-3BC5-5B3C-1EC62899B37C}"/>
+              </a:ext>
+            </a:extLst>
+          </p:cNvPr>
+          <p:cNvCxnSpPr>
+            <a:endCxn id="17" idx="3"/>
+          </p:cNvCxnSpPr>
+          <p:nvPr/>
+        </p:nvCxnSpPr>
+        <p:spPr>
+          <a:xfrm flipH="1">
+            <a:off x="2335948" y="3419764"/>
+            <a:ext cx="3335890" cy="288014"/>
+          </a:xfrm>
+          <a:prstGeom prst="straightConnector1">
+            <a:avLst/>
+          </a:prstGeom>
+          <a:ln>
+            <a:tailEnd type="triangle"/>
+          </a:ln>
+        </p:spPr>
+        <p:style>
+          <a:lnRef idx="1">
+            <a:schemeClr val="accent1"/>
+          </a:lnRef>
+          <a:fillRef idx="0">
+            <a:schemeClr val="accent1"/>
+          </a:fillRef>
+          <a:effectRef idx="0">
+            <a:schemeClr val="accent1"/>
+          </a:effectRef>
+          <a:fontRef idx="minor">
+            <a:schemeClr val="tx1"/>
+          </a:fontRef>
+        </p:style>
+      </p:cxnSp>
+      <p:cxnSp>
+        <p:nvCxnSpPr>
+          <p:cNvPr id="32" name="Straight Arrow Connector 31">
+            <a:extLst>
+              <a:ext uri="{FF2B5EF4-FFF2-40B4-BE49-F238E27FC236}">
+                <a16:creationId xmlns:a16="http://schemas.microsoft.com/office/drawing/2014/main" id="{A29BD6F2-5E11-F76F-E60C-6039959CF131}"/>
+              </a:ext>
+            </a:extLst>
+          </p:cNvPr>
+          <p:cNvCxnSpPr>
+            <a:endCxn id="16" idx="3"/>
+          </p:cNvCxnSpPr>
+          <p:nvPr/>
+        </p:nvCxnSpPr>
+        <p:spPr>
+          <a:xfrm flipH="1">
+            <a:off x="3206412" y="3419764"/>
+            <a:ext cx="2465426" cy="288014"/>
+          </a:xfrm>
+          <a:prstGeom prst="straightConnector1">
+            <a:avLst/>
+          </a:prstGeom>
+          <a:ln>
+            <a:tailEnd type="triangle"/>
+          </a:ln>
+        </p:spPr>
+        <p:style>
+          <a:lnRef idx="1">
+            <a:schemeClr val="accent1"/>
+          </a:lnRef>
+          <a:fillRef idx="0">
+            <a:schemeClr val="accent1"/>
+          </a:fillRef>
+          <a:effectRef idx="0">
+            <a:schemeClr val="accent1"/>
+          </a:effectRef>
+          <a:fontRef idx="minor">
+            <a:schemeClr val="tx1"/>
+          </a:fontRef>
+        </p:style>
+      </p:cxnSp>
+      <p:cxnSp>
+        <p:nvCxnSpPr>
+          <p:cNvPr id="34" name="Straight Arrow Connector 33">
+            <a:extLst>
+              <a:ext uri="{FF2B5EF4-FFF2-40B4-BE49-F238E27FC236}">
+                <a16:creationId xmlns:a16="http://schemas.microsoft.com/office/drawing/2014/main" id="{3DFE3D1D-4B16-AB9A-89A1-AC8804EDC09A}"/>
+              </a:ext>
+            </a:extLst>
+          </p:cNvPr>
+          <p:cNvCxnSpPr>
+            <a:stCxn id="19" idx="3"/>
+          </p:cNvCxnSpPr>
+          <p:nvPr/>
+        </p:nvCxnSpPr>
+        <p:spPr>
+          <a:xfrm flipV="1">
+            <a:off x="6398364" y="3369852"/>
+            <a:ext cx="1664981" cy="5652"/>
+          </a:xfrm>
+          <a:prstGeom prst="straightConnector1">
+            <a:avLst/>
+          </a:prstGeom>
+          <a:ln>
+            <a:tailEnd type="triangle"/>
+          </a:ln>
+        </p:spPr>
+        <p:style>
+          <a:lnRef idx="1">
+            <a:schemeClr val="accent1"/>
+          </a:lnRef>
+          <a:fillRef idx="0">
+            <a:schemeClr val="accent1"/>
+          </a:fillRef>
+          <a:effectRef idx="0">
+            <a:schemeClr val="accent1"/>
+          </a:effectRef>
+          <a:fontRef idx="minor">
+            <a:schemeClr val="tx1"/>
+          </a:fontRef>
+        </p:style>
+      </p:cxnSp>
+    </p:spTree>
+    <p:extLst>
+      <p:ext uri="{BB962C8B-B14F-4D97-AF65-F5344CB8AC3E}">
+        <p14:creationId xmlns:p14="http://schemas.microsoft.com/office/powerpoint/2010/main" val="2976626320"/>
+      </p:ext>
+    </p:extLst>
+  </p:cSld>
+  <p:clrMapOvr>
+    <a:masterClrMapping/>
+  </p:clrMapOvr>
+</p:sld>
+</file>
+
+<file path=ppt/slides/slide8.xml><?xml version="1.0" encoding="utf-8"?>
+<p:sld xmlns:a="http://schemas.openxmlformats.org/drawingml/2006/main" xmlns:r="http://schemas.openxmlformats.org/officeDocument/2006/relationships" xmlns:p="http://schemas.openxmlformats.org/presentationml/2006/main">
+  <p:cSld>
+    <p:spTree>
+      <p:nvGrpSpPr>
+        <p:cNvPr id="1" name=""/>
+        <p:cNvGrpSpPr/>
+        <p:nvPr/>
+      </p:nvGrpSpPr>
+      <p:grpSpPr>
+        <a:xfrm>
+          <a:off x="0" y="0"/>
+          <a:ext cx="0" cy="0"/>
+          <a:chOff x="0" y="0"/>
+          <a:chExt cx="0" cy="0"/>
+        </a:xfrm>
+      </p:grpSpPr>
+      <p:sp>
+        <p:nvSpPr>
+          <p:cNvPr id="2" name="Title 1">
+            <a:extLst>
+              <a:ext uri="{FF2B5EF4-FFF2-40B4-BE49-F238E27FC236}">
+                <a16:creationId xmlns:a16="http://schemas.microsoft.com/office/drawing/2014/main" id="{75639CF2-ECD9-63EF-0AEA-9A8E7809A11D}"/>
               </a:ext>
             </a:extLst>
           </p:cNvPr>
@@ -5526,7 +7451,7 @@
             <a:spLocks noGrp="1"/>
           </p:cNvSpPr>
           <p:nvPr>
-            <p:ph idx="1"/>
+            <p:ph type="title"/>
           </p:nvPr>
         </p:nvSpPr>
         <p:spPr/>
@@ -5536,12 +7461,820 @@
           <a:p>
             <a:r>
               <a:rPr lang="en-US" dirty="0"/>
-              <a:t>Draw out 2 agents and what is going to get done</a:t>
+              <a:t>Proof of Concept Demo</a:t>
             </a:r>
             <a:endParaRPr lang="en-CA" dirty="0"/>
           </a:p>
         </p:txBody>
       </p:sp>
+      <p:pic>
+        <p:nvPicPr>
+          <p:cNvPr id="3076" name="Picture 4" descr="Icon Agent Symbol PNG Transparent Background, Free Download #1996 -  FreeIconsPNG">
+            <a:extLst>
+              <a:ext uri="{FF2B5EF4-FFF2-40B4-BE49-F238E27FC236}">
+                <a16:creationId xmlns:a16="http://schemas.microsoft.com/office/drawing/2014/main" id="{1B7F8BE9-48AF-4452-8B8F-73D5936DF907}"/>
+              </a:ext>
+            </a:extLst>
+          </p:cNvPr>
+          <p:cNvPicPr>
+            <a:picLocks noChangeAspect="1" noChangeArrowheads="1"/>
+          </p:cNvPicPr>
+          <p:nvPr/>
+        </p:nvPicPr>
+        <p:blipFill>
+          <a:blip r:embed="rId2">
+            <a:extLst>
+              <a:ext uri="{28A0092B-C50C-407E-A947-70E740481C1C}">
+                <a14:useLocalDpi xmlns:a14="http://schemas.microsoft.com/office/drawing/2010/main" val="0"/>
+              </a:ext>
+            </a:extLst>
+          </a:blip>
+          <a:srcRect/>
+          <a:stretch>
+            <a:fillRect/>
+          </a:stretch>
+        </p:blipFill>
+        <p:spPr bwMode="auto">
+          <a:xfrm>
+            <a:off x="4814796" y="2909434"/>
+            <a:ext cx="707113" cy="707113"/>
+          </a:xfrm>
+          <a:prstGeom prst="rect">
+            <a:avLst/>
+          </a:prstGeom>
+          <a:noFill/>
+          <a:extLst>
+            <a:ext uri="{909E8E84-426E-40DD-AFC4-6F175D3DCCD1}">
+              <a14:hiddenFill xmlns:a14="http://schemas.microsoft.com/office/drawing/2010/main">
+                <a:solidFill>
+                  <a:srgbClr val="FFFFFF"/>
+                </a:solidFill>
+              </a14:hiddenFill>
+            </a:ext>
+          </a:extLst>
+        </p:spPr>
+      </p:pic>
+      <p:pic>
+        <p:nvPicPr>
+          <p:cNvPr id="7" name="Picture 4" descr="Icon Agent Symbol PNG Transparent Background, Free Download #1996 -  FreeIconsPNG">
+            <a:extLst>
+              <a:ext uri="{FF2B5EF4-FFF2-40B4-BE49-F238E27FC236}">
+                <a16:creationId xmlns:a16="http://schemas.microsoft.com/office/drawing/2014/main" id="{4915800D-ED91-80C7-ED92-056E4130FBC2}"/>
+              </a:ext>
+            </a:extLst>
+          </p:cNvPr>
+          <p:cNvPicPr>
+            <a:picLocks noChangeAspect="1" noChangeArrowheads="1"/>
+          </p:cNvPicPr>
+          <p:nvPr/>
+        </p:nvPicPr>
+        <p:blipFill>
+          <a:blip r:embed="rId2">
+            <a:extLst>
+              <a:ext uri="{28A0092B-C50C-407E-A947-70E740481C1C}">
+                <a14:useLocalDpi xmlns:a14="http://schemas.microsoft.com/office/drawing/2010/main" val="0"/>
+              </a:ext>
+            </a:extLst>
+          </a:blip>
+          <a:srcRect/>
+          <a:stretch>
+            <a:fillRect/>
+          </a:stretch>
+        </p:blipFill>
+        <p:spPr bwMode="auto">
+          <a:xfrm>
+            <a:off x="6154156" y="2909433"/>
+            <a:ext cx="707113" cy="707113"/>
+          </a:xfrm>
+          <a:prstGeom prst="rect">
+            <a:avLst/>
+          </a:prstGeom>
+          <a:noFill/>
+          <a:extLst>
+            <a:ext uri="{909E8E84-426E-40DD-AFC4-6F175D3DCCD1}">
+              <a14:hiddenFill xmlns:a14="http://schemas.microsoft.com/office/drawing/2010/main">
+                <a:solidFill>
+                  <a:srgbClr val="FFFFFF"/>
+                </a:solidFill>
+              </a14:hiddenFill>
+            </a:ext>
+          </a:extLst>
+        </p:spPr>
+      </p:pic>
+      <p:pic>
+        <p:nvPicPr>
+          <p:cNvPr id="8" name="Picture 4" descr="Five tips to make organising folders easier">
+            <a:extLst>
+              <a:ext uri="{FF2B5EF4-FFF2-40B4-BE49-F238E27FC236}">
+                <a16:creationId xmlns:a16="http://schemas.microsoft.com/office/drawing/2014/main" id="{4928AF6D-FAB0-CFD9-9DA7-5F8C812E0232}"/>
+              </a:ext>
+            </a:extLst>
+          </p:cNvPr>
+          <p:cNvPicPr>
+            <a:picLocks noChangeAspect="1" noChangeArrowheads="1"/>
+          </p:cNvPicPr>
+          <p:nvPr/>
+        </p:nvPicPr>
+        <p:blipFill>
+          <a:blip r:embed="rId3">
+            <a:extLst>
+              <a:ext uri="{28A0092B-C50C-407E-A947-70E740481C1C}">
+                <a14:useLocalDpi xmlns:a14="http://schemas.microsoft.com/office/drawing/2010/main" val="0"/>
+              </a:ext>
+            </a:extLst>
+          </a:blip>
+          <a:srcRect/>
+          <a:stretch>
+            <a:fillRect/>
+          </a:stretch>
+        </p:blipFill>
+        <p:spPr bwMode="auto">
+          <a:xfrm>
+            <a:off x="1097280" y="2145555"/>
+            <a:ext cx="2916624" cy="2088374"/>
+          </a:xfrm>
+          <a:prstGeom prst="rect">
+            <a:avLst/>
+          </a:prstGeom>
+          <a:noFill/>
+          <a:extLst>
+            <a:ext uri="{909E8E84-426E-40DD-AFC4-6F175D3DCCD1}">
+              <a14:hiddenFill xmlns:a14="http://schemas.microsoft.com/office/drawing/2010/main">
+                <a:solidFill>
+                  <a:srgbClr val="FFFFFF"/>
+                </a:solidFill>
+              </a14:hiddenFill>
+            </a:ext>
+          </a:extLst>
+        </p:spPr>
+      </p:pic>
+      <p:pic>
+        <p:nvPicPr>
+          <p:cNvPr id="9" name="Content Placeholder 6">
+            <a:extLst>
+              <a:ext uri="{FF2B5EF4-FFF2-40B4-BE49-F238E27FC236}">
+                <a16:creationId xmlns:a16="http://schemas.microsoft.com/office/drawing/2014/main" id="{BAEE41FB-8C78-6C53-BC03-26E28CAA59B0}"/>
+              </a:ext>
+            </a:extLst>
+          </p:cNvPr>
+          <p:cNvPicPr>
+            <a:picLocks noChangeAspect="1"/>
+          </p:cNvPicPr>
+          <p:nvPr/>
+        </p:nvPicPr>
+        <p:blipFill>
+          <a:blip r:embed="rId4">
+            <a:extLst>
+              <a:ext uri="{28A0092B-C50C-407E-A947-70E740481C1C}">
+                <a14:useLocalDpi xmlns:a14="http://schemas.microsoft.com/office/drawing/2010/main" val="0"/>
+              </a:ext>
+            </a:extLst>
+          </a:blip>
+          <a:stretch>
+            <a:fillRect/>
+          </a:stretch>
+        </p:blipFill>
+        <p:spPr>
+          <a:xfrm>
+            <a:off x="1491642" y="2723907"/>
+            <a:ext cx="438280" cy="539084"/>
+          </a:xfrm>
+          <a:prstGeom prst="rect">
+            <a:avLst/>
+          </a:prstGeom>
+        </p:spPr>
+      </p:pic>
+      <p:pic>
+        <p:nvPicPr>
+          <p:cNvPr id="10" name="Picture 9">
+            <a:extLst>
+              <a:ext uri="{FF2B5EF4-FFF2-40B4-BE49-F238E27FC236}">
+                <a16:creationId xmlns:a16="http://schemas.microsoft.com/office/drawing/2014/main" id="{499B0B59-859B-7EF8-A847-E2CDDE52960C}"/>
+              </a:ext>
+            </a:extLst>
+          </p:cNvPr>
+          <p:cNvPicPr>
+            <a:picLocks noChangeAspect="1"/>
+          </p:cNvPicPr>
+          <p:nvPr/>
+        </p:nvPicPr>
+        <p:blipFill>
+          <a:blip r:embed="rId4">
+            <a:extLst>
+              <a:ext uri="{28A0092B-C50C-407E-A947-70E740481C1C}">
+                <a14:useLocalDpi xmlns:a14="http://schemas.microsoft.com/office/drawing/2010/main" val="0"/>
+              </a:ext>
+            </a:extLst>
+          </a:blip>
+          <a:stretch>
+            <a:fillRect/>
+          </a:stretch>
+        </p:blipFill>
+        <p:spPr>
+          <a:xfrm>
+            <a:off x="2336452" y="2723907"/>
+            <a:ext cx="438280" cy="539084"/>
+          </a:xfrm>
+          <a:prstGeom prst="rect">
+            <a:avLst/>
+          </a:prstGeom>
+        </p:spPr>
+      </p:pic>
+      <p:pic>
+        <p:nvPicPr>
+          <p:cNvPr id="11" name="Picture 10">
+            <a:extLst>
+              <a:ext uri="{FF2B5EF4-FFF2-40B4-BE49-F238E27FC236}">
+                <a16:creationId xmlns:a16="http://schemas.microsoft.com/office/drawing/2014/main" id="{F219431E-1E73-7110-68FA-48A9DFA13F07}"/>
+              </a:ext>
+            </a:extLst>
+          </p:cNvPr>
+          <p:cNvPicPr>
+            <a:picLocks noChangeAspect="1"/>
+          </p:cNvPicPr>
+          <p:nvPr/>
+        </p:nvPicPr>
+        <p:blipFill>
+          <a:blip r:embed="rId4">
+            <a:extLst>
+              <a:ext uri="{28A0092B-C50C-407E-A947-70E740481C1C}">
+                <a14:useLocalDpi xmlns:a14="http://schemas.microsoft.com/office/drawing/2010/main" val="0"/>
+              </a:ext>
+            </a:extLst>
+          </a:blip>
+          <a:stretch>
+            <a:fillRect/>
+          </a:stretch>
+        </p:blipFill>
+        <p:spPr>
+          <a:xfrm>
+            <a:off x="3181262" y="2723907"/>
+            <a:ext cx="438280" cy="539084"/>
+          </a:xfrm>
+          <a:prstGeom prst="rect">
+            <a:avLst/>
+          </a:prstGeom>
+        </p:spPr>
+      </p:pic>
+      <p:pic>
+        <p:nvPicPr>
+          <p:cNvPr id="12" name="Picture 11">
+            <a:extLst>
+              <a:ext uri="{FF2B5EF4-FFF2-40B4-BE49-F238E27FC236}">
+                <a16:creationId xmlns:a16="http://schemas.microsoft.com/office/drawing/2014/main" id="{D8989546-A19E-F213-8140-0E68F2BFB19C}"/>
+              </a:ext>
+            </a:extLst>
+          </p:cNvPr>
+          <p:cNvPicPr>
+            <a:picLocks noChangeAspect="1"/>
+          </p:cNvPicPr>
+          <p:nvPr/>
+        </p:nvPicPr>
+        <p:blipFill>
+          <a:blip r:embed="rId4">
+            <a:extLst>
+              <a:ext uri="{28A0092B-C50C-407E-A947-70E740481C1C}">
+                <a14:useLocalDpi xmlns:a14="http://schemas.microsoft.com/office/drawing/2010/main" val="0"/>
+              </a:ext>
+            </a:extLst>
+          </a:blip>
+          <a:stretch>
+            <a:fillRect/>
+          </a:stretch>
+        </p:blipFill>
+        <p:spPr>
+          <a:xfrm>
+            <a:off x="2774732" y="3446474"/>
+            <a:ext cx="438280" cy="539084"/>
+          </a:xfrm>
+          <a:prstGeom prst="rect">
+            <a:avLst/>
+          </a:prstGeom>
+        </p:spPr>
+      </p:pic>
+      <p:pic>
+        <p:nvPicPr>
+          <p:cNvPr id="13" name="Picture 12">
+            <a:extLst>
+              <a:ext uri="{FF2B5EF4-FFF2-40B4-BE49-F238E27FC236}">
+                <a16:creationId xmlns:a16="http://schemas.microsoft.com/office/drawing/2014/main" id="{864D8D83-2191-E9B5-4FFC-F802DC13EF80}"/>
+              </a:ext>
+            </a:extLst>
+          </p:cNvPr>
+          <p:cNvPicPr>
+            <a:picLocks noChangeAspect="1"/>
+          </p:cNvPicPr>
+          <p:nvPr/>
+        </p:nvPicPr>
+        <p:blipFill>
+          <a:blip r:embed="rId4">
+            <a:extLst>
+              <a:ext uri="{28A0092B-C50C-407E-A947-70E740481C1C}">
+                <a14:useLocalDpi xmlns:a14="http://schemas.microsoft.com/office/drawing/2010/main" val="0"/>
+              </a:ext>
+            </a:extLst>
+          </a:blip>
+          <a:stretch>
+            <a:fillRect/>
+          </a:stretch>
+        </p:blipFill>
+        <p:spPr>
+          <a:xfrm>
+            <a:off x="1904268" y="3446474"/>
+            <a:ext cx="438280" cy="539084"/>
+          </a:xfrm>
+          <a:prstGeom prst="rect">
+            <a:avLst/>
+          </a:prstGeom>
+        </p:spPr>
+      </p:pic>
+      <p:pic>
+        <p:nvPicPr>
+          <p:cNvPr id="3086" name="Picture 14" descr="Free icon &quot;Microsoft PowerPoint icon&quot;">
+            <a:extLst>
+              <a:ext uri="{FF2B5EF4-FFF2-40B4-BE49-F238E27FC236}">
+                <a16:creationId xmlns:a16="http://schemas.microsoft.com/office/drawing/2014/main" id="{9A8F42B1-1A5E-4C80-EA16-8E7EA1DE836E}"/>
+              </a:ext>
+            </a:extLst>
+          </p:cNvPr>
+          <p:cNvPicPr>
+            <a:picLocks noChangeAspect="1" noChangeArrowheads="1"/>
+          </p:cNvPicPr>
+          <p:nvPr/>
+        </p:nvPicPr>
+        <p:blipFill>
+          <a:blip r:embed="rId5">
+            <a:extLst>
+              <a:ext uri="{28A0092B-C50C-407E-A947-70E740481C1C}">
+                <a14:useLocalDpi xmlns:a14="http://schemas.microsoft.com/office/drawing/2010/main" val="0"/>
+              </a:ext>
+            </a:extLst>
+          </a:blip>
+          <a:srcRect/>
+          <a:stretch>
+            <a:fillRect/>
+          </a:stretch>
+        </p:blipFill>
+        <p:spPr bwMode="auto">
+          <a:xfrm>
+            <a:off x="9869259" y="4478528"/>
+            <a:ext cx="788745" cy="788745"/>
+          </a:xfrm>
+          <a:prstGeom prst="rect">
+            <a:avLst/>
+          </a:prstGeom>
+          <a:noFill/>
+          <a:extLst>
+            <a:ext uri="{909E8E84-426E-40DD-AFC4-6F175D3DCCD1}">
+              <a14:hiddenFill xmlns:a14="http://schemas.microsoft.com/office/drawing/2010/main">
+                <a:solidFill>
+                  <a:srgbClr val="FFFFFF"/>
+                </a:solidFill>
+              </a14:hiddenFill>
+            </a:ext>
+          </a:extLst>
+        </p:spPr>
+      </p:pic>
+      <p:pic>
+        <p:nvPicPr>
+          <p:cNvPr id="16" name="Picture 15">
+            <a:extLst>
+              <a:ext uri="{FF2B5EF4-FFF2-40B4-BE49-F238E27FC236}">
+                <a16:creationId xmlns:a16="http://schemas.microsoft.com/office/drawing/2014/main" id="{22643ADA-15C5-3655-A953-B457B0421F00}"/>
+              </a:ext>
+            </a:extLst>
+          </p:cNvPr>
+          <p:cNvPicPr>
+            <a:picLocks noChangeAspect="1"/>
+          </p:cNvPicPr>
+          <p:nvPr/>
+        </p:nvPicPr>
+        <p:blipFill>
+          <a:blip r:embed="rId6">
+            <a:extLst>
+              <a:ext uri="{28A0092B-C50C-407E-A947-70E740481C1C}">
+                <a14:useLocalDpi xmlns:a14="http://schemas.microsoft.com/office/drawing/2010/main" val="0"/>
+              </a:ext>
+            </a:extLst>
+          </a:blip>
+          <a:stretch>
+            <a:fillRect/>
+          </a:stretch>
+        </p:blipFill>
+        <p:spPr>
+          <a:xfrm>
+            <a:off x="7578443" y="4419641"/>
+            <a:ext cx="906521" cy="906521"/>
+          </a:xfrm>
+          <a:prstGeom prst="rect">
+            <a:avLst/>
+          </a:prstGeom>
+        </p:spPr>
+      </p:pic>
+      <p:pic>
+        <p:nvPicPr>
+          <p:cNvPr id="3088" name="Picture 16" descr="Txt - Free files and folders icons">
+            <a:extLst>
+              <a:ext uri="{FF2B5EF4-FFF2-40B4-BE49-F238E27FC236}">
+                <a16:creationId xmlns:a16="http://schemas.microsoft.com/office/drawing/2014/main" id="{7AEDAFCB-E2DE-3D64-848F-01CE8FBA0F99}"/>
+              </a:ext>
+            </a:extLst>
+          </p:cNvPr>
+          <p:cNvPicPr>
+            <a:picLocks noChangeAspect="1" noChangeArrowheads="1"/>
+          </p:cNvPicPr>
+          <p:nvPr/>
+        </p:nvPicPr>
+        <p:blipFill>
+          <a:blip r:embed="rId7">
+            <a:extLst>
+              <a:ext uri="{28A0092B-C50C-407E-A947-70E740481C1C}">
+                <a14:useLocalDpi xmlns:a14="http://schemas.microsoft.com/office/drawing/2010/main" val="0"/>
+              </a:ext>
+            </a:extLst>
+          </a:blip>
+          <a:srcRect/>
+          <a:stretch>
+            <a:fillRect/>
+          </a:stretch>
+        </p:blipFill>
+        <p:spPr bwMode="auto">
+          <a:xfrm>
+            <a:off x="7662161" y="2872686"/>
+            <a:ext cx="739087" cy="739087"/>
+          </a:xfrm>
+          <a:prstGeom prst="rect">
+            <a:avLst/>
+          </a:prstGeom>
+          <a:noFill/>
+          <a:extLst>
+            <a:ext uri="{909E8E84-426E-40DD-AFC4-6F175D3DCCD1}">
+              <a14:hiddenFill xmlns:a14="http://schemas.microsoft.com/office/drawing/2010/main">
+                <a:solidFill>
+                  <a:srgbClr val="FFFFFF"/>
+                </a:solidFill>
+              </a14:hiddenFill>
+            </a:ext>
+          </a:extLst>
+        </p:spPr>
+      </p:pic>
+      <p:cxnSp>
+        <p:nvCxnSpPr>
+          <p:cNvPr id="18" name="Straight Arrow Connector 17">
+            <a:extLst>
+              <a:ext uri="{FF2B5EF4-FFF2-40B4-BE49-F238E27FC236}">
+                <a16:creationId xmlns:a16="http://schemas.microsoft.com/office/drawing/2014/main" id="{E9563C2B-21B2-3970-2C5B-19992AFCCA02}"/>
+              </a:ext>
+            </a:extLst>
+          </p:cNvPr>
+          <p:cNvCxnSpPr>
+            <a:stCxn id="9" idx="3"/>
+          </p:cNvCxnSpPr>
+          <p:nvPr/>
+        </p:nvCxnSpPr>
+        <p:spPr>
+          <a:xfrm>
+            <a:off x="1929922" y="2993449"/>
+            <a:ext cx="2801938" cy="269542"/>
+          </a:xfrm>
+          <a:prstGeom prst="straightConnector1">
+            <a:avLst/>
+          </a:prstGeom>
+          <a:ln>
+            <a:tailEnd type="triangle"/>
+          </a:ln>
+        </p:spPr>
+        <p:style>
+          <a:lnRef idx="1">
+            <a:schemeClr val="accent1"/>
+          </a:lnRef>
+          <a:fillRef idx="0">
+            <a:schemeClr val="accent1"/>
+          </a:fillRef>
+          <a:effectRef idx="0">
+            <a:schemeClr val="accent1"/>
+          </a:effectRef>
+          <a:fontRef idx="minor">
+            <a:schemeClr val="tx1"/>
+          </a:fontRef>
+        </p:style>
+      </p:cxnSp>
+      <p:cxnSp>
+        <p:nvCxnSpPr>
+          <p:cNvPr id="20" name="Straight Arrow Connector 19">
+            <a:extLst>
+              <a:ext uri="{FF2B5EF4-FFF2-40B4-BE49-F238E27FC236}">
+                <a16:creationId xmlns:a16="http://schemas.microsoft.com/office/drawing/2014/main" id="{CF24D127-D1DA-B482-1CB0-24F46E989C79}"/>
+              </a:ext>
+            </a:extLst>
+          </p:cNvPr>
+          <p:cNvCxnSpPr/>
+          <p:nvPr/>
+        </p:nvCxnSpPr>
+        <p:spPr>
+          <a:xfrm>
+            <a:off x="2774732" y="2909433"/>
+            <a:ext cx="1976311" cy="243009"/>
+          </a:xfrm>
+          <a:prstGeom prst="straightConnector1">
+            <a:avLst/>
+          </a:prstGeom>
+          <a:ln>
+            <a:tailEnd type="triangle"/>
+          </a:ln>
+        </p:spPr>
+        <p:style>
+          <a:lnRef idx="1">
+            <a:schemeClr val="accent1"/>
+          </a:lnRef>
+          <a:fillRef idx="0">
+            <a:schemeClr val="accent1"/>
+          </a:fillRef>
+          <a:effectRef idx="0">
+            <a:schemeClr val="accent1"/>
+          </a:effectRef>
+          <a:fontRef idx="minor">
+            <a:schemeClr val="tx1"/>
+          </a:fontRef>
+        </p:style>
+      </p:cxnSp>
+      <p:cxnSp>
+        <p:nvCxnSpPr>
+          <p:cNvPr id="22" name="Straight Arrow Connector 21">
+            <a:extLst>
+              <a:ext uri="{FF2B5EF4-FFF2-40B4-BE49-F238E27FC236}">
+                <a16:creationId xmlns:a16="http://schemas.microsoft.com/office/drawing/2014/main" id="{16B44B83-B83A-432F-FE82-F20E1EE933C2}"/>
+              </a:ext>
+            </a:extLst>
+          </p:cNvPr>
+          <p:cNvCxnSpPr/>
+          <p:nvPr/>
+        </p:nvCxnSpPr>
+        <p:spPr>
+          <a:xfrm>
+            <a:off x="3619542" y="2872686"/>
+            <a:ext cx="1195254" cy="120763"/>
+          </a:xfrm>
+          <a:prstGeom prst="straightConnector1">
+            <a:avLst/>
+          </a:prstGeom>
+          <a:ln>
+            <a:tailEnd type="triangle"/>
+          </a:ln>
+        </p:spPr>
+        <p:style>
+          <a:lnRef idx="1">
+            <a:schemeClr val="accent1"/>
+          </a:lnRef>
+          <a:fillRef idx="0">
+            <a:schemeClr val="accent1"/>
+          </a:fillRef>
+          <a:effectRef idx="0">
+            <a:schemeClr val="accent1"/>
+          </a:effectRef>
+          <a:fontRef idx="minor">
+            <a:schemeClr val="tx1"/>
+          </a:fontRef>
+        </p:style>
+      </p:cxnSp>
+      <p:cxnSp>
+        <p:nvCxnSpPr>
+          <p:cNvPr id="24" name="Straight Arrow Connector 23">
+            <a:extLst>
+              <a:ext uri="{FF2B5EF4-FFF2-40B4-BE49-F238E27FC236}">
+                <a16:creationId xmlns:a16="http://schemas.microsoft.com/office/drawing/2014/main" id="{3B1E8A5C-7727-D074-B8D7-F40D000D227E}"/>
+              </a:ext>
+            </a:extLst>
+          </p:cNvPr>
+          <p:cNvCxnSpPr/>
+          <p:nvPr/>
+        </p:nvCxnSpPr>
+        <p:spPr>
+          <a:xfrm flipV="1">
+            <a:off x="2410691" y="3491345"/>
+            <a:ext cx="2270014" cy="326115"/>
+          </a:xfrm>
+          <a:prstGeom prst="straightConnector1">
+            <a:avLst/>
+          </a:prstGeom>
+          <a:ln>
+            <a:tailEnd type="triangle"/>
+          </a:ln>
+        </p:spPr>
+        <p:style>
+          <a:lnRef idx="1">
+            <a:schemeClr val="accent1"/>
+          </a:lnRef>
+          <a:fillRef idx="0">
+            <a:schemeClr val="accent1"/>
+          </a:fillRef>
+          <a:effectRef idx="0">
+            <a:schemeClr val="accent1"/>
+          </a:effectRef>
+          <a:fontRef idx="minor">
+            <a:schemeClr val="tx1"/>
+          </a:fontRef>
+        </p:style>
+      </p:cxnSp>
+      <p:cxnSp>
+        <p:nvCxnSpPr>
+          <p:cNvPr id="26" name="Straight Arrow Connector 25">
+            <a:extLst>
+              <a:ext uri="{FF2B5EF4-FFF2-40B4-BE49-F238E27FC236}">
+                <a16:creationId xmlns:a16="http://schemas.microsoft.com/office/drawing/2014/main" id="{DF19CD79-4034-C2BC-C3E9-F22F154F2022}"/>
+              </a:ext>
+            </a:extLst>
+          </p:cNvPr>
+          <p:cNvCxnSpPr/>
+          <p:nvPr/>
+        </p:nvCxnSpPr>
+        <p:spPr>
+          <a:xfrm flipV="1">
+            <a:off x="3286724" y="3683178"/>
+            <a:ext cx="1445136" cy="159860"/>
+          </a:xfrm>
+          <a:prstGeom prst="straightConnector1">
+            <a:avLst/>
+          </a:prstGeom>
+          <a:ln>
+            <a:tailEnd type="triangle"/>
+          </a:ln>
+        </p:spPr>
+        <p:style>
+          <a:lnRef idx="1">
+            <a:schemeClr val="accent1"/>
+          </a:lnRef>
+          <a:fillRef idx="0">
+            <a:schemeClr val="accent1"/>
+          </a:fillRef>
+          <a:effectRef idx="0">
+            <a:schemeClr val="accent1"/>
+          </a:effectRef>
+          <a:fontRef idx="minor">
+            <a:schemeClr val="tx1"/>
+          </a:fontRef>
+        </p:style>
+      </p:cxnSp>
+      <p:cxnSp>
+        <p:nvCxnSpPr>
+          <p:cNvPr id="28" name="Straight Arrow Connector 27">
+            <a:extLst>
+              <a:ext uri="{FF2B5EF4-FFF2-40B4-BE49-F238E27FC236}">
+                <a16:creationId xmlns:a16="http://schemas.microsoft.com/office/drawing/2014/main" id="{D01DD0C1-EA3C-4053-803B-DCDDD012FAC8}"/>
+              </a:ext>
+            </a:extLst>
+          </p:cNvPr>
+          <p:cNvCxnSpPr>
+            <a:endCxn id="7" idx="1"/>
+          </p:cNvCxnSpPr>
+          <p:nvPr/>
+        </p:nvCxnSpPr>
+        <p:spPr>
+          <a:xfrm flipV="1">
+            <a:off x="5582316" y="3262990"/>
+            <a:ext cx="571840" cy="1"/>
+          </a:xfrm>
+          <a:prstGeom prst="straightConnector1">
+            <a:avLst/>
+          </a:prstGeom>
+          <a:ln>
+            <a:tailEnd type="triangle"/>
+          </a:ln>
+        </p:spPr>
+        <p:style>
+          <a:lnRef idx="1">
+            <a:schemeClr val="accent1"/>
+          </a:lnRef>
+          <a:fillRef idx="0">
+            <a:schemeClr val="accent1"/>
+          </a:fillRef>
+          <a:effectRef idx="0">
+            <a:schemeClr val="accent1"/>
+          </a:effectRef>
+          <a:fontRef idx="minor">
+            <a:schemeClr val="tx1"/>
+          </a:fontRef>
+        </p:style>
+      </p:cxnSp>
+      <p:cxnSp>
+        <p:nvCxnSpPr>
+          <p:cNvPr id="30" name="Straight Arrow Connector 29">
+            <a:extLst>
+              <a:ext uri="{FF2B5EF4-FFF2-40B4-BE49-F238E27FC236}">
+                <a16:creationId xmlns:a16="http://schemas.microsoft.com/office/drawing/2014/main" id="{19AAE8A7-4681-3F18-5E60-6EE844AA1D8E}"/>
+              </a:ext>
+            </a:extLst>
+          </p:cNvPr>
+          <p:cNvCxnSpPr/>
+          <p:nvPr/>
+        </p:nvCxnSpPr>
+        <p:spPr>
+          <a:xfrm>
+            <a:off x="7014663" y="3312302"/>
+            <a:ext cx="563780" cy="0"/>
+          </a:xfrm>
+          <a:prstGeom prst="straightConnector1">
+            <a:avLst/>
+          </a:prstGeom>
+          <a:ln>
+            <a:tailEnd type="triangle"/>
+          </a:ln>
+        </p:spPr>
+        <p:style>
+          <a:lnRef idx="1">
+            <a:schemeClr val="accent1"/>
+          </a:lnRef>
+          <a:fillRef idx="0">
+            <a:schemeClr val="accent1"/>
+          </a:fillRef>
+          <a:effectRef idx="0">
+            <a:schemeClr val="accent1"/>
+          </a:effectRef>
+          <a:fontRef idx="minor">
+            <a:schemeClr val="tx1"/>
+          </a:fontRef>
+        </p:style>
+      </p:cxnSp>
+      <p:cxnSp>
+        <p:nvCxnSpPr>
+          <p:cNvPr id="32" name="Straight Arrow Connector 31">
+            <a:extLst>
+              <a:ext uri="{FF2B5EF4-FFF2-40B4-BE49-F238E27FC236}">
+                <a16:creationId xmlns:a16="http://schemas.microsoft.com/office/drawing/2014/main" id="{34C0CDA7-C00E-F232-A96F-4A24F55A2FC4}"/>
+              </a:ext>
+            </a:extLst>
+          </p:cNvPr>
+          <p:cNvCxnSpPr/>
+          <p:nvPr/>
+        </p:nvCxnSpPr>
+        <p:spPr>
+          <a:xfrm flipV="1">
+            <a:off x="8037768" y="3683178"/>
+            <a:ext cx="0" cy="550751"/>
+          </a:xfrm>
+          <a:prstGeom prst="straightConnector1">
+            <a:avLst/>
+          </a:prstGeom>
+          <a:ln>
+            <a:tailEnd type="triangle"/>
+          </a:ln>
+        </p:spPr>
+        <p:style>
+          <a:lnRef idx="1">
+            <a:schemeClr val="accent1"/>
+          </a:lnRef>
+          <a:fillRef idx="0">
+            <a:schemeClr val="accent1"/>
+          </a:fillRef>
+          <a:effectRef idx="0">
+            <a:schemeClr val="accent1"/>
+          </a:effectRef>
+          <a:fontRef idx="minor">
+            <a:schemeClr val="tx1"/>
+          </a:fontRef>
+        </p:style>
+      </p:cxnSp>
+      <p:cxnSp>
+        <p:nvCxnSpPr>
+          <p:cNvPr id="34" name="Straight Arrow Connector 33">
+            <a:extLst>
+              <a:ext uri="{FF2B5EF4-FFF2-40B4-BE49-F238E27FC236}">
+                <a16:creationId xmlns:a16="http://schemas.microsoft.com/office/drawing/2014/main" id="{A7779C41-F8AE-4C6C-090D-35C35684CD20}"/>
+              </a:ext>
+            </a:extLst>
+          </p:cNvPr>
+          <p:cNvCxnSpPr>
+            <a:stCxn id="16" idx="3"/>
+          </p:cNvCxnSpPr>
+          <p:nvPr/>
+        </p:nvCxnSpPr>
+        <p:spPr>
+          <a:xfrm>
+            <a:off x="8484964" y="4872902"/>
+            <a:ext cx="1189772" cy="18818"/>
+          </a:xfrm>
+          <a:prstGeom prst="straightConnector1">
+            <a:avLst/>
+          </a:prstGeom>
+          <a:ln>
+            <a:tailEnd type="triangle"/>
+          </a:ln>
+        </p:spPr>
+        <p:style>
+          <a:lnRef idx="1">
+            <a:schemeClr val="accent1"/>
+          </a:lnRef>
+          <a:fillRef idx="0">
+            <a:schemeClr val="accent1"/>
+          </a:fillRef>
+          <a:effectRef idx="0">
+            <a:schemeClr val="accent1"/>
+          </a:effectRef>
+          <a:fontRef idx="minor">
+            <a:schemeClr val="tx1"/>
+          </a:fontRef>
+        </p:style>
+      </p:cxnSp>
     </p:spTree>
     <p:extLst>
       <p:ext uri="{BB962C8B-B14F-4D97-AF65-F5344CB8AC3E}">
@@ -5555,7 +8288,7 @@
 </p:sld>
 </file>
 
-<file path=ppt/slides/slide8.xml><?xml version="1.0" encoding="utf-8"?>
+<file path=ppt/slides/slide9.xml><?xml version="1.0" encoding="utf-8"?>
 <p:sld xmlns:a="http://schemas.openxmlformats.org/drawingml/2006/main" xmlns:r="http://schemas.openxmlformats.org/officeDocument/2006/relationships" xmlns:p="http://schemas.openxmlformats.org/presentationml/2006/main">
   <p:cSld>
     <p:spTree>
@@ -5904,96 +8637,6 @@
     <p:extLst>
       <p:ext uri="{BB962C8B-B14F-4D97-AF65-F5344CB8AC3E}">
         <p14:creationId xmlns:p14="http://schemas.microsoft.com/office/powerpoint/2010/main" val="787354793"/>
-      </p:ext>
-    </p:extLst>
-  </p:cSld>
-  <p:clrMapOvr>
-    <a:masterClrMapping/>
-  </p:clrMapOvr>
-</p:sld>
-</file>
-
-<file path=ppt/slides/slide9.xml><?xml version="1.0" encoding="utf-8"?>
-<p:sld xmlns:a="http://schemas.openxmlformats.org/drawingml/2006/main" xmlns:r="http://schemas.openxmlformats.org/officeDocument/2006/relationships" xmlns:p="http://schemas.openxmlformats.org/presentationml/2006/main">
-  <p:cSld>
-    <p:spTree>
-      <p:nvGrpSpPr>
-        <p:cNvPr id="1" name="">
-          <a:extLst>
-            <a:ext uri="{FF2B5EF4-FFF2-40B4-BE49-F238E27FC236}">
-              <a16:creationId xmlns:a16="http://schemas.microsoft.com/office/drawing/2014/main" id="{8EFD3595-E40E-274C-4C06-0CC0D746DFFA}"/>
-            </a:ext>
-          </a:extLst>
-        </p:cNvPr>
-        <p:cNvGrpSpPr/>
-        <p:nvPr/>
-      </p:nvGrpSpPr>
-      <p:grpSpPr>
-        <a:xfrm>
-          <a:off x="0" y="0"/>
-          <a:ext cx="0" cy="0"/>
-          <a:chOff x="0" y="0"/>
-          <a:chExt cx="0" cy="0"/>
-        </a:xfrm>
-      </p:grpSpPr>
-      <p:sp>
-        <p:nvSpPr>
-          <p:cNvPr id="2" name="Title 1">
-            <a:extLst>
-              <a:ext uri="{FF2B5EF4-FFF2-40B4-BE49-F238E27FC236}">
-                <a16:creationId xmlns:a16="http://schemas.microsoft.com/office/drawing/2014/main" id="{3DE920CC-0960-33C7-1EFB-7BF3F98389AD}"/>
-              </a:ext>
-            </a:extLst>
-          </p:cNvPr>
-          <p:cNvSpPr>
-            <a:spLocks noGrp="1"/>
-          </p:cNvSpPr>
-          <p:nvPr>
-            <p:ph type="title"/>
-          </p:nvPr>
-        </p:nvSpPr>
-        <p:spPr/>
-        <p:txBody>
-          <a:bodyPr/>
-          <a:lstStyle/>
-          <a:p>
-            <a:r>
-              <a:rPr lang="en-US" dirty="0"/>
-              <a:t>Learnings – Prompting</a:t>
-            </a:r>
-            <a:endParaRPr lang="en-CA" dirty="0"/>
-          </a:p>
-        </p:txBody>
-      </p:sp>
-      <p:sp>
-        <p:nvSpPr>
-          <p:cNvPr id="3" name="Content Placeholder 2">
-            <a:extLst>
-              <a:ext uri="{FF2B5EF4-FFF2-40B4-BE49-F238E27FC236}">
-                <a16:creationId xmlns:a16="http://schemas.microsoft.com/office/drawing/2014/main" id="{0C910F1D-A3D3-C5AD-9FC3-6B6EF3059790}"/>
-              </a:ext>
-            </a:extLst>
-          </p:cNvPr>
-          <p:cNvSpPr>
-            <a:spLocks noGrp="1"/>
-          </p:cNvSpPr>
-          <p:nvPr>
-            <p:ph idx="1"/>
-          </p:nvPr>
-        </p:nvSpPr>
-        <p:spPr/>
-        <p:txBody>
-          <a:bodyPr/>
-          <a:lstStyle/>
-          <a:p>
-            <a:endParaRPr lang="en-CA" dirty="0"/>
-          </a:p>
-        </p:txBody>
-      </p:sp>
-    </p:spTree>
-    <p:extLst>
-      <p:ext uri="{BB962C8B-B14F-4D97-AF65-F5344CB8AC3E}">
-        <p14:creationId xmlns:p14="http://schemas.microsoft.com/office/powerpoint/2010/main" val="1751676236"/>
       </p:ext>
     </p:extLst>
   </p:cSld>
